--- a/Documentos/Proyecto/Power_Point_Requerimientos.pptx
+++ b/Documentos/Proyecto/Power_Point_Requerimientos.pptx
@@ -5,12 +5,12 @@
     <p:sldMasterId id="2147483672" r:id="rId1"/>
   </p:sldMasterIdLst>
   <p:notesMasterIdLst>
-    <p:notesMasterId r:id="rId33"/>
+    <p:notesMasterId r:id="rId35"/>
   </p:notesMasterIdLst>
   <p:sldIdLst>
     <p:sldId id="456" r:id="rId2"/>
-    <p:sldId id="457" r:id="rId3"/>
-    <p:sldId id="458" r:id="rId4"/>
+    <p:sldId id="458" r:id="rId3"/>
+    <p:sldId id="457" r:id="rId4"/>
     <p:sldId id="459" r:id="rId5"/>
     <p:sldId id="460" r:id="rId6"/>
     <p:sldId id="461" r:id="rId7"/>
@@ -36,9 +36,11 @@
     <p:sldId id="481" r:id="rId27"/>
     <p:sldId id="482" r:id="rId28"/>
     <p:sldId id="483" r:id="rId29"/>
-    <p:sldId id="484" r:id="rId30"/>
-    <p:sldId id="485" r:id="rId31"/>
-    <p:sldId id="486" r:id="rId32"/>
+    <p:sldId id="487" r:id="rId30"/>
+    <p:sldId id="484" r:id="rId31"/>
+    <p:sldId id="485" r:id="rId32"/>
+    <p:sldId id="486" r:id="rId33"/>
+    <p:sldId id="488" r:id="rId34"/>
   </p:sldIdLst>
   <p:sldSz cx="9144000" cy="6858000" type="screen4x3"/>
   <p:notesSz cx="6858000" cy="9144000"/>
@@ -2523,7 +2525,12 @@
             <p:ph type="title"/>
           </p:nvPr>
         </p:nvSpPr>
-        <p:spPr/>
+        <p:spPr>
+          <a:xfrm>
+            <a:off x="142844" y="1628800"/>
+            <a:ext cx="8858312" cy="1135018"/>
+          </a:xfrm>
+        </p:spPr>
         <p:txBody>
           <a:bodyPr>
             <a:noAutofit/>
@@ -2532,16 +2539,12 @@
           <a:p>
             <a:pPr algn="ctr"/>
             <a:r>
-              <a:rPr lang="es-CO" sz="3200" dirty="0" smtClean="0">
+              <a:rPr lang="es-CO" sz="3200" dirty="0">
                 <a:latin typeface="Times New Roman" panose="02020603050405020304" pitchFamily="18" charset="0"/>
                 <a:cs typeface="Times New Roman" panose="02020603050405020304" pitchFamily="18" charset="0"/>
               </a:rPr>
-              <a:t>Control de asistencia estudiantil mediante dispositivos tecnológicos </a:t>
-            </a:r>
-            <a:endParaRPr lang="es-CO" sz="3200" dirty="0">
-              <a:latin typeface="Times New Roman" panose="02020603050405020304" pitchFamily="18" charset="0"/>
-              <a:cs typeface="Times New Roman" panose="02020603050405020304" pitchFamily="18" charset="0"/>
-            </a:endParaRPr>
+              <a:t>Control de Asistencia Estudiantil Mediante Dispositivos Tecnológicos </a:t>
+            </a:r>
           </a:p>
         </p:txBody>
       </p:sp>
@@ -2555,16 +2558,23 @@
             <p:ph idx="1"/>
           </p:nvPr>
         </p:nvSpPr>
-        <p:spPr/>
-        <p:txBody>
-          <a:bodyPr/>
+        <p:spPr>
+          <a:xfrm>
+            <a:off x="142844" y="3284984"/>
+            <a:ext cx="8858312" cy="3287290"/>
+          </a:xfrm>
+        </p:spPr>
+        <p:txBody>
+          <a:bodyPr>
+            <a:normAutofit/>
+          </a:bodyPr>
           <a:lstStyle/>
           <a:p>
             <a:pPr marL="0" indent="0" algn="ctr">
               <a:buNone/>
             </a:pPr>
             <a:r>
-              <a:rPr lang="es-CO" dirty="0" smtClean="0">
+              <a:rPr lang="es-CO" sz="2800" dirty="0">
                 <a:latin typeface="Times New Roman" panose="02020603050405020304" pitchFamily="18" charset="0"/>
                 <a:cs typeface="Times New Roman" panose="02020603050405020304" pitchFamily="18" charset="0"/>
               </a:rPr>
@@ -2576,7 +2586,7 @@
               <a:buNone/>
             </a:pPr>
             <a:r>
-              <a:rPr lang="es-CO" dirty="0" smtClean="0">
+              <a:rPr lang="es-CO" sz="2800" dirty="0">
                 <a:latin typeface="Times New Roman" panose="02020603050405020304" pitchFamily="18" charset="0"/>
                 <a:cs typeface="Times New Roman" panose="02020603050405020304" pitchFamily="18" charset="0"/>
               </a:rPr>
@@ -2587,7 +2597,7 @@
             <a:pPr marL="0" indent="0" algn="ctr">
               <a:buNone/>
             </a:pPr>
-            <a:endParaRPr lang="es-CO" dirty="0" smtClean="0">
+            <a:endParaRPr lang="es-CO" sz="2800" dirty="0">
               <a:latin typeface="Times New Roman" panose="02020603050405020304" pitchFamily="18" charset="0"/>
               <a:cs typeface="Times New Roman" panose="02020603050405020304" pitchFamily="18" charset="0"/>
             </a:endParaRPr>
@@ -2597,7 +2607,7 @@
               <a:buNone/>
             </a:pPr>
             <a:r>
-              <a:rPr lang="es-CO" dirty="0" smtClean="0">
+              <a:rPr lang="es-CO" sz="2800" dirty="0">
                 <a:latin typeface="Times New Roman" panose="02020603050405020304" pitchFamily="18" charset="0"/>
                 <a:cs typeface="Times New Roman" panose="02020603050405020304" pitchFamily="18" charset="0"/>
               </a:rPr>
@@ -2609,7 +2619,7 @@
               <a:buNone/>
             </a:pPr>
             <a:r>
-              <a:rPr lang="es-CO" dirty="0" smtClean="0">
+              <a:rPr lang="es-CO" sz="2800" dirty="0">
                 <a:latin typeface="Times New Roman" panose="02020603050405020304" pitchFamily="18" charset="0"/>
                 <a:cs typeface="Times New Roman" panose="02020603050405020304" pitchFamily="18" charset="0"/>
               </a:rPr>
@@ -2621,16 +2631,12 @@
               <a:buNone/>
             </a:pPr>
             <a:r>
-              <a:rPr lang="es-CO" dirty="0" smtClean="0">
+              <a:rPr lang="es-CO" sz="2800" dirty="0">
                 <a:latin typeface="Times New Roman" panose="02020603050405020304" pitchFamily="18" charset="0"/>
                 <a:cs typeface="Times New Roman" panose="02020603050405020304" pitchFamily="18" charset="0"/>
               </a:rPr>
               <a:t>Juan David Hoyos Ramírez</a:t>
             </a:r>
-            <a:endParaRPr lang="es-CO" dirty="0">
-              <a:latin typeface="Times New Roman" panose="02020603050405020304" pitchFamily="18" charset="0"/>
-              <a:cs typeface="Times New Roman" panose="02020603050405020304" pitchFamily="18" charset="0"/>
-            </a:endParaRPr>
           </a:p>
         </p:txBody>
       </p:sp>
@@ -2668,13 +2674,6 @@
   <p:clrMapOvr>
     <a:masterClrMapping/>
   </p:clrMapOvr>
-  <p:timing>
-    <p:tnLst>
-      <p:par>
-        <p:cTn id="1" dur="indefinite" restart="never" nodeType="tmRoot"/>
-      </p:par>
-    </p:tnLst>
-  </p:timing>
 </p:sld>
 </file>
 
@@ -2723,19 +2722,8 @@
                 <a:latin typeface="Times New Roman" panose="02020603050405020304" pitchFamily="18" charset="0"/>
                 <a:cs typeface="Times New Roman" panose="02020603050405020304" pitchFamily="18" charset="0"/>
               </a:rPr>
-              <a:t>Casos de uso del </a:t>
-            </a:r>
-            <a:r>
-              <a:rPr lang="es-CO" dirty="0" smtClean="0">
-                <a:latin typeface="Times New Roman" panose="02020603050405020304" pitchFamily="18" charset="0"/>
-                <a:cs typeface="Times New Roman" panose="02020603050405020304" pitchFamily="18" charset="0"/>
-              </a:rPr>
-              <a:t>sistema</a:t>
-            </a:r>
-            <a:endParaRPr lang="es-CO" dirty="0">
-              <a:latin typeface="Times New Roman" panose="02020603050405020304" pitchFamily="18" charset="0"/>
-              <a:cs typeface="Times New Roman" panose="02020603050405020304" pitchFamily="18" charset="0"/>
-            </a:endParaRPr>
+              <a:t>Casos de uso del sistema</a:t>
+            </a:r>
           </a:p>
         </p:txBody>
       </p:sp>
@@ -2773,13 +2761,6 @@
   <p:clrMapOvr>
     <a:masterClrMapping/>
   </p:clrMapOvr>
-  <p:timing>
-    <p:tnLst>
-      <p:par>
-        <p:cTn id="1" dur="indefinite" restart="never" nodeType="tmRoot"/>
-      </p:par>
-    </p:tnLst>
-  </p:timing>
 </p:sld>
 </file>
 
@@ -2857,13 +2838,6 @@
   <p:clrMapOvr>
     <a:masterClrMapping/>
   </p:clrMapOvr>
-  <p:timing>
-    <p:tnLst>
-      <p:par>
-        <p:cTn id="1" dur="indefinite" restart="never" nodeType="tmRoot"/>
-      </p:par>
-    </p:tnLst>
-  </p:timing>
 </p:sld>
 </file>
 
@@ -2941,13 +2915,6 @@
   <p:clrMapOvr>
     <a:masterClrMapping/>
   </p:clrMapOvr>
-  <p:timing>
-    <p:tnLst>
-      <p:par>
-        <p:cTn id="1" dur="indefinite" restart="never" nodeType="tmRoot"/>
-      </p:par>
-    </p:tnLst>
-  </p:timing>
 </p:sld>
 </file>
 
@@ -3027,13 +2994,6 @@
   <p:clrMapOvr>
     <a:masterClrMapping/>
   </p:clrMapOvr>
-  <p:timing>
-    <p:tnLst>
-      <p:par>
-        <p:cTn id="1" dur="indefinite" restart="never" nodeType="tmRoot"/>
-      </p:par>
-    </p:tnLst>
-  </p:timing>
 </p:sld>
 </file>
 
@@ -3113,13 +3073,6 @@
   <p:clrMapOvr>
     <a:masterClrMapping/>
   </p:clrMapOvr>
-  <p:timing>
-    <p:tnLst>
-      <p:par>
-        <p:cTn id="1" dur="indefinite" restart="never" nodeType="tmRoot"/>
-      </p:par>
-    </p:tnLst>
-  </p:timing>
 </p:sld>
 </file>
 
@@ -3199,13 +3152,6 @@
   <p:clrMapOvr>
     <a:masterClrMapping/>
   </p:clrMapOvr>
-  <p:timing>
-    <p:tnLst>
-      <p:par>
-        <p:cTn id="1" dur="indefinite" restart="never" nodeType="tmRoot"/>
-      </p:par>
-    </p:tnLst>
-  </p:timing>
 </p:sld>
 </file>
 
@@ -3285,13 +3231,6 @@
   <p:clrMapOvr>
     <a:masterClrMapping/>
   </p:clrMapOvr>
-  <p:timing>
-    <p:tnLst>
-      <p:par>
-        <p:cTn id="1" dur="indefinite" restart="never" nodeType="tmRoot"/>
-      </p:par>
-    </p:tnLst>
-  </p:timing>
 </p:sld>
 </file>
 
@@ -3371,13 +3310,6 @@
   <p:clrMapOvr>
     <a:masterClrMapping/>
   </p:clrMapOvr>
-  <p:timing>
-    <p:tnLst>
-      <p:par>
-        <p:cTn id="1" dur="indefinite" restart="never" nodeType="tmRoot"/>
-      </p:par>
-    </p:tnLst>
-  </p:timing>
 </p:sld>
 </file>
 
@@ -3457,13 +3389,6 @@
   <p:clrMapOvr>
     <a:masterClrMapping/>
   </p:clrMapOvr>
-  <p:timing>
-    <p:tnLst>
-      <p:par>
-        <p:cTn id="1" dur="indefinite" restart="never" nodeType="tmRoot"/>
-      </p:par>
-    </p:tnLst>
-  </p:timing>
 </p:sld>
 </file>
 
@@ -3506,16 +3431,12 @@
           <a:p>
             <a:pPr algn="ctr"/>
             <a:r>
-              <a:rPr lang="es-CO" dirty="0" smtClean="0">
+              <a:rPr lang="es-CO" dirty="0">
                 <a:latin typeface="Times New Roman" panose="02020603050405020304" pitchFamily="18" charset="0"/>
                 <a:cs typeface="Times New Roman" panose="02020603050405020304" pitchFamily="18" charset="0"/>
               </a:rPr>
               <a:t>Historias de Usuarios</a:t>
             </a:r>
-            <a:endParaRPr lang="es-CO" dirty="0">
-              <a:latin typeface="Times New Roman" panose="02020603050405020304" pitchFamily="18" charset="0"/>
-              <a:cs typeface="Times New Roman" panose="02020603050405020304" pitchFamily="18" charset="0"/>
-            </a:endParaRPr>
           </a:p>
         </p:txBody>
       </p:sp>
@@ -3553,13 +3474,6 @@
   <p:clrMapOvr>
     <a:masterClrMapping/>
   </p:clrMapOvr>
-  <p:timing>
-    <p:tnLst>
-      <p:par>
-        <p:cTn id="1" dur="indefinite" restart="never" nodeType="tmRoot"/>
-      </p:par>
-    </p:tnLst>
-  </p:timing>
 </p:sld>
 </file>
 
@@ -3599,58 +3513,67 @@
           <a:p>
             <a:pPr algn="ctr"/>
             <a:r>
-              <a:rPr lang="es-CO" dirty="0" smtClean="0">
-                <a:latin typeface="Times New Roman" panose="02020603050405020304" pitchFamily="18" charset="0"/>
-                <a:cs typeface="Times New Roman" panose="02020603050405020304" pitchFamily="18" charset="0"/>
-              </a:rPr>
-              <a:t>Introducción</a:t>
-            </a:r>
-            <a:endParaRPr lang="es-CO" dirty="0">
-              <a:latin typeface="Times New Roman" panose="02020603050405020304" pitchFamily="18" charset="0"/>
-              <a:cs typeface="Times New Roman" panose="02020603050405020304" pitchFamily="18" charset="0"/>
-            </a:endParaRPr>
-          </a:p>
-        </p:txBody>
-      </p:sp>
-      <p:sp>
-        <p:nvSpPr>
-          <p:cNvPr id="3" name="Marcador de contenido 2"/>
-          <p:cNvSpPr>
-            <a:spLocks noGrp="1"/>
-          </p:cNvSpPr>
-          <p:nvPr>
-            <p:ph idx="1"/>
-          </p:nvPr>
-        </p:nvSpPr>
-        <p:spPr/>
-        <p:txBody>
-          <a:bodyPr>
-            <a:normAutofit fontScale="92500" lnSpcReduction="20000"/>
-          </a:bodyPr>
-          <a:lstStyle/>
-          <a:p>
-            <a:r>
               <a:rPr lang="es-CO" dirty="0">
                 <a:latin typeface="Times New Roman" panose="02020603050405020304" pitchFamily="18" charset="0"/>
                 <a:cs typeface="Times New Roman" panose="02020603050405020304" pitchFamily="18" charset="0"/>
               </a:rPr>
-              <a:t>La asistencia estudiantil siempre ha sido uno de los mayores problemas en las diferentes instituciones llegando a ser incontrolable. Actualmente se han inventado varios mecanismos de control para esta, mejorando así el control de la misma mediante dispositivos tecnológicos, esto ha hecho un gran auge en cuanto a las renovaciones de como se venía tomando anteriormente, dando así un impacto positivo.</a:t>
-            </a:r>
-            <a:r>
-              <a:rPr lang="es-CO" dirty="0"/>
-              <a:t/>
-            </a:r>
-            <a:br>
-              <a:rPr lang="es-CO" dirty="0"/>
-            </a:br>
-            <a:r>
-              <a:rPr lang="es-CO" dirty="0"/>
-              <a:t/>
-            </a:r>
-            <a:br>
-              <a:rPr lang="es-CO" dirty="0"/>
-            </a:br>
-            <a:endParaRPr lang="es-CO" dirty="0"/>
+              <a:t>Participantes en el proyecto</a:t>
+            </a:r>
+          </a:p>
+        </p:txBody>
+      </p:sp>
+      <p:sp>
+        <p:nvSpPr>
+          <p:cNvPr id="3" name="Marcador de contenido 2"/>
+          <p:cNvSpPr>
+            <a:spLocks noGrp="1"/>
+          </p:cNvSpPr>
+          <p:nvPr>
+            <p:ph idx="1"/>
+          </p:nvPr>
+        </p:nvSpPr>
+        <p:spPr/>
+        <p:txBody>
+          <a:bodyPr/>
+          <a:lstStyle/>
+          <a:p>
+            <a:pPr marL="0" indent="0">
+              <a:buNone/>
+            </a:pPr>
+            <a:endParaRPr lang="es-CO" b="1" dirty="0"/>
+          </a:p>
+          <a:p>
+            <a:pPr marL="0" indent="0">
+              <a:buNone/>
+            </a:pPr>
+            <a:r>
+              <a:rPr lang="es-CO" b="1" dirty="0">
+                <a:solidFill>
+                  <a:srgbClr val="074907"/>
+                </a:solidFill>
+                <a:latin typeface="Times New Roman" panose="02020603050405020304" pitchFamily="18" charset="0"/>
+                <a:cs typeface="Times New Roman" panose="02020603050405020304" pitchFamily="18" charset="0"/>
+              </a:rPr>
+              <a:t>Organizaciones:</a:t>
+            </a:r>
+          </a:p>
+          <a:p>
+            <a:r>
+              <a:rPr lang="es-CO" sz="2800" dirty="0">
+                <a:latin typeface="Times New Roman" panose="02020603050405020304" pitchFamily="18" charset="0"/>
+                <a:cs typeface="Times New Roman" panose="02020603050405020304" pitchFamily="18" charset="0"/>
+              </a:rPr>
+              <a:t>COTECNOVA.</a:t>
+            </a:r>
+          </a:p>
+          <a:p>
+            <a:r>
+              <a:rPr lang="es-CO" sz="2800" dirty="0">
+                <a:latin typeface="Times New Roman" panose="02020603050405020304" pitchFamily="18" charset="0"/>
+                <a:cs typeface="Times New Roman" panose="02020603050405020304" pitchFamily="18" charset="0"/>
+              </a:rPr>
+              <a:t>Grupo (Natalia Agudelo, Juan David, Arvey Barahona).</a:t>
+            </a:r>
           </a:p>
         </p:txBody>
       </p:sp>
@@ -3681,20 +3604,13 @@
     </p:spTree>
     <p:extLst>
       <p:ext uri="{BB962C8B-B14F-4D97-AF65-F5344CB8AC3E}">
-        <p14:creationId xmlns:p14="http://schemas.microsoft.com/office/powerpoint/2010/main" val="3467575084"/>
+        <p14:creationId xmlns:p14="http://schemas.microsoft.com/office/powerpoint/2010/main" val="909096977"/>
       </p:ext>
     </p:extLst>
   </p:cSld>
   <p:clrMapOvr>
     <a:masterClrMapping/>
   </p:clrMapOvr>
-  <p:timing>
-    <p:tnLst>
-      <p:par>
-        <p:cTn id="1" dur="indefinite" restart="never" nodeType="tmRoot"/>
-      </p:par>
-    </p:tnLst>
-  </p:timing>
 </p:sld>
 </file>
 
@@ -3774,13 +3690,6 @@
   <p:clrMapOvr>
     <a:masterClrMapping/>
   </p:clrMapOvr>
-  <p:timing>
-    <p:tnLst>
-      <p:par>
-        <p:cTn id="1" dur="indefinite" restart="never" nodeType="tmRoot"/>
-      </p:par>
-    </p:tnLst>
-  </p:timing>
 </p:sld>
 </file>
 
@@ -3860,13 +3769,6 @@
   <p:clrMapOvr>
     <a:masterClrMapping/>
   </p:clrMapOvr>
-  <p:timing>
-    <p:tnLst>
-      <p:par>
-        <p:cTn id="1" dur="indefinite" restart="never" nodeType="tmRoot"/>
-      </p:par>
-    </p:tnLst>
-  </p:timing>
 </p:sld>
 </file>
 
@@ -3946,13 +3848,6 @@
   <p:clrMapOvr>
     <a:masterClrMapping/>
   </p:clrMapOvr>
-  <p:timing>
-    <p:tnLst>
-      <p:par>
-        <p:cTn id="1" dur="indefinite" restart="never" nodeType="tmRoot"/>
-      </p:par>
-    </p:tnLst>
-  </p:timing>
 </p:sld>
 </file>
 
@@ -4015,7 +3910,7 @@
           <a:lstStyle/>
           <a:p>
             <a:r>
-              <a:rPr lang="es-CO" dirty="0" smtClean="0">
+              <a:rPr lang="es-CO" dirty="0">
                 <a:latin typeface="Times New Roman" panose="02020603050405020304" pitchFamily="18" charset="0"/>
                 <a:cs typeface="Times New Roman" panose="02020603050405020304" pitchFamily="18" charset="0"/>
               </a:rPr>
@@ -4024,7 +3919,7 @@
           </a:p>
           <a:p>
             <a:r>
-              <a:rPr lang="es-CO" dirty="0" smtClean="0">
+              <a:rPr lang="es-CO" dirty="0">
                 <a:latin typeface="Times New Roman" panose="02020603050405020304" pitchFamily="18" charset="0"/>
                 <a:cs typeface="Times New Roman" panose="02020603050405020304" pitchFamily="18" charset="0"/>
               </a:rPr>
@@ -4033,7 +3928,7 @@
           </a:p>
           <a:p>
             <a:r>
-              <a:rPr lang="es-CO" dirty="0" smtClean="0">
+              <a:rPr lang="es-CO" dirty="0">
                 <a:latin typeface="Times New Roman" panose="02020603050405020304" pitchFamily="18" charset="0"/>
                 <a:cs typeface="Times New Roman" panose="02020603050405020304" pitchFamily="18" charset="0"/>
               </a:rPr>
@@ -4042,7 +3937,7 @@
           </a:p>
           <a:p>
             <a:r>
-              <a:rPr lang="es-CO" dirty="0" smtClean="0">
+              <a:rPr lang="es-CO" dirty="0">
                 <a:latin typeface="Times New Roman" panose="02020603050405020304" pitchFamily="18" charset="0"/>
                 <a:cs typeface="Times New Roman" panose="02020603050405020304" pitchFamily="18" charset="0"/>
               </a:rPr>
@@ -4051,16 +3946,12 @@
           </a:p>
           <a:p>
             <a:r>
-              <a:rPr lang="es-CO" dirty="0" smtClean="0">
+              <a:rPr lang="es-CO" dirty="0">
                 <a:latin typeface="Times New Roman" panose="02020603050405020304" pitchFamily="18" charset="0"/>
                 <a:cs typeface="Times New Roman" panose="02020603050405020304" pitchFamily="18" charset="0"/>
               </a:rPr>
               <a:t>Comunicación (servidores web y la aplicación)</a:t>
             </a:r>
-            <a:endParaRPr lang="es-CO" dirty="0">
-              <a:latin typeface="Times New Roman" panose="02020603050405020304" pitchFamily="18" charset="0"/>
-              <a:cs typeface="Times New Roman" panose="02020603050405020304" pitchFamily="18" charset="0"/>
-            </a:endParaRPr>
           </a:p>
         </p:txBody>
       </p:sp>
@@ -4098,13 +3989,6 @@
   <p:clrMapOvr>
     <a:masterClrMapping/>
   </p:clrMapOvr>
-  <p:timing>
-    <p:tnLst>
-      <p:par>
-        <p:cTn id="1" dur="indefinite" restart="never" nodeType="tmRoot"/>
-      </p:par>
-    </p:tnLst>
-  </p:timing>
 </p:sld>
 </file>
 
@@ -4161,74 +4045,78 @@
             <p:ph idx="1"/>
           </p:nvPr>
         </p:nvSpPr>
-        <p:spPr/>
+        <p:spPr>
+          <a:xfrm>
+            <a:off x="142844" y="2276872"/>
+            <a:ext cx="8858312" cy="4295402"/>
+          </a:xfrm>
+        </p:spPr>
         <p:txBody>
           <a:bodyPr>
             <a:normAutofit fontScale="70000" lnSpcReduction="20000"/>
           </a:bodyPr>
           <a:lstStyle/>
           <a:p>
-            <a:pPr marL="0" indent="0">
+            <a:pPr marL="0" indent="0" algn="just">
               <a:buNone/>
             </a:pPr>
             <a:r>
-              <a:rPr lang="es-CO" dirty="0"/>
-              <a:t>Las técnicas de licitación que se utilizaron fueron las siguientes</a:t>
-            </a:r>
-            <a:r>
-              <a:rPr lang="es-CO" dirty="0" smtClean="0"/>
-              <a:t>:</a:t>
-            </a:r>
-          </a:p>
-          <a:p>
-            <a:pPr marL="0" indent="0">
+              <a:rPr lang="es-CO" dirty="0">
+                <a:latin typeface="Times New Roman" panose="02020603050405020304" pitchFamily="18" charset="0"/>
+                <a:cs typeface="Times New Roman" panose="02020603050405020304" pitchFamily="18" charset="0"/>
+              </a:rPr>
+              <a:t>Las técnicas de licitación que se utilizaron fueron las siguientes:</a:t>
+            </a:r>
+          </a:p>
+          <a:p>
+            <a:pPr marL="0" indent="0" algn="just">
               <a:buNone/>
             </a:pPr>
             <a:r>
-              <a:rPr lang="es-CO" b="1" dirty="0"/>
+              <a:rPr lang="es-CO" b="1" dirty="0">
+                <a:latin typeface="Times New Roman" panose="02020603050405020304" pitchFamily="18" charset="0"/>
+                <a:cs typeface="Times New Roman" panose="02020603050405020304" pitchFamily="18" charset="0"/>
+              </a:rPr>
               <a:t>Tormenta de ideas </a:t>
             </a:r>
-            <a:endParaRPr lang="es-CO" dirty="0"/>
-          </a:p>
-          <a:p>
-            <a:r>
-              <a:rPr lang="es-CO" dirty="0"/>
-              <a:t>Como sabemos la tormenta de ideas o lluvia de ideas es una técnica de reuniones en grupo cuyo objetivo es la generación de ideas en un ambiente libre de críticas o juicios. Como técnica de recopilación de información de requisitos, esta técnica de licitación se utilizó a la hora de desarrollar los casos de uso y cuando se puso en discusión el tema a desarrollar.</a:t>
-            </a:r>
-          </a:p>
-          <a:p>
-            <a:pPr marL="0" indent="0">
+            <a:endParaRPr lang="es-CO" dirty="0">
+              <a:latin typeface="Times New Roman" panose="02020603050405020304" pitchFamily="18" charset="0"/>
+              <a:cs typeface="Times New Roman" panose="02020603050405020304" pitchFamily="18" charset="0"/>
+            </a:endParaRPr>
+          </a:p>
+          <a:p>
+            <a:pPr algn="just"/>
+            <a:r>
+              <a:rPr lang="es-CO" dirty="0">
+                <a:latin typeface="Times New Roman" panose="02020603050405020304" pitchFamily="18" charset="0"/>
+                <a:cs typeface="Times New Roman" panose="02020603050405020304" pitchFamily="18" charset="0"/>
+              </a:rPr>
+              <a:t>Es una técnica de reuniones en grupo cuyo objetivo es la generación de ideas en un ambiente libre de críticas o juicios. Como técnica de recopilación de información de requisitos, esta técnica de licitación se utilizó a la hora de desarrollar los casos de uso y cuando se puso en discusión el tema a desarrollar.</a:t>
+            </a:r>
+          </a:p>
+          <a:p>
+            <a:pPr marL="0" indent="0" algn="just">
               <a:buNone/>
             </a:pPr>
             <a:r>
-              <a:rPr lang="es-CO" b="1" dirty="0" err="1"/>
-              <a:t>Joint</a:t>
-            </a:r>
-            <a:r>
-              <a:rPr lang="es-CO" b="1" dirty="0"/>
-              <a:t> </a:t>
-            </a:r>
-            <a:r>
-              <a:rPr lang="es-CO" b="1" dirty="0" err="1"/>
-              <a:t>Application</a:t>
-            </a:r>
-            <a:r>
-              <a:rPr lang="es-CO" b="1" dirty="0"/>
-              <a:t> </a:t>
-            </a:r>
-            <a:r>
-              <a:rPr lang="es-CO" b="1" dirty="0" err="1"/>
-              <a:t>Development</a:t>
-            </a:r>
-            <a:r>
-              <a:rPr lang="es-CO" b="1" dirty="0"/>
-              <a:t> </a:t>
-            </a:r>
-            <a:endParaRPr lang="es-CO" dirty="0"/>
-          </a:p>
-          <a:p>
-            <a:r>
-              <a:rPr lang="es-CO" dirty="0"/>
+              <a:rPr lang="es-CO" b="1" dirty="0">
+                <a:latin typeface="Times New Roman" panose="02020603050405020304" pitchFamily="18" charset="0"/>
+                <a:cs typeface="Times New Roman" panose="02020603050405020304" pitchFamily="18" charset="0"/>
+              </a:rPr>
+              <a:t>Joint Application Development </a:t>
+            </a:r>
+            <a:endParaRPr lang="es-CO" dirty="0">
+              <a:latin typeface="Times New Roman" panose="02020603050405020304" pitchFamily="18" charset="0"/>
+              <a:cs typeface="Times New Roman" panose="02020603050405020304" pitchFamily="18" charset="0"/>
+            </a:endParaRPr>
+          </a:p>
+          <a:p>
+            <a:pPr algn="just"/>
+            <a:r>
+              <a:rPr lang="es-CO" dirty="0">
+                <a:latin typeface="Times New Roman" panose="02020603050405020304" pitchFamily="18" charset="0"/>
+                <a:cs typeface="Times New Roman" panose="02020603050405020304" pitchFamily="18" charset="0"/>
+              </a:rPr>
               <a:t>El JAD se basa en organizar reuniones integradas por miembros del equipo de desarrollo y miembros de la organización para la que se va a desarrollar el sistema software, esta técnica se puso en práctica en las reuniones que se tuvieron con los diferentes profesores de la Universidad para determinar los diferentes objetivos a desarrollar.</a:t>
             </a:r>
           </a:p>
@@ -4271,13 +4159,6 @@
   <p:clrMapOvr>
     <a:masterClrMapping/>
   </p:clrMapOvr>
-  <p:timing>
-    <p:tnLst>
-      <p:par>
-        <p:cTn id="1" dur="indefinite" restart="never" nodeType="tmRoot"/>
-      </p:par>
-    </p:tnLst>
-  </p:timing>
 </p:sld>
 </file>
 
@@ -4335,7 +4216,12 @@
             <p:ph idx="1"/>
           </p:nvPr>
         </p:nvSpPr>
-        <p:spPr/>
+        <p:spPr>
+          <a:xfrm>
+            <a:off x="142844" y="2564904"/>
+            <a:ext cx="8858312" cy="4007370"/>
+          </a:xfrm>
+        </p:spPr>
         <p:txBody>
           <a:bodyPr/>
           <a:lstStyle/>
@@ -4403,13 +4289,6 @@
   <p:clrMapOvr>
     <a:masterClrMapping/>
   </p:clrMapOvr>
-  <p:timing>
-    <p:tnLst>
-      <p:par>
-        <p:cTn id="1" dur="indefinite" restart="never" nodeType="tmRoot"/>
-      </p:par>
-    </p:tnLst>
-  </p:timing>
 </p:sld>
 </file>
 
@@ -4452,16 +4331,12 @@
           <a:p>
             <a:pPr algn="ctr"/>
             <a:r>
-              <a:rPr lang="es-CO" dirty="0" smtClean="0">
+              <a:rPr lang="es-CO" dirty="0">
                 <a:latin typeface="Times New Roman" panose="02020603050405020304" pitchFamily="18" charset="0"/>
                 <a:cs typeface="Times New Roman" panose="02020603050405020304" pitchFamily="18" charset="0"/>
               </a:rPr>
               <a:t>Diagrama de Clase</a:t>
             </a:r>
-            <a:endParaRPr lang="es-CO" dirty="0">
-              <a:latin typeface="Times New Roman" panose="02020603050405020304" pitchFamily="18" charset="0"/>
-              <a:cs typeface="Times New Roman" panose="02020603050405020304" pitchFamily="18" charset="0"/>
-            </a:endParaRPr>
           </a:p>
         </p:txBody>
       </p:sp>
@@ -4499,13 +4374,6 @@
   <p:clrMapOvr>
     <a:masterClrMapping/>
   </p:clrMapOvr>
-  <p:timing>
-    <p:tnLst>
-      <p:par>
-        <p:cTn id="1" dur="indefinite" restart="never" nodeType="tmRoot"/>
-      </p:par>
-    </p:tnLst>
-  </p:timing>
 </p:sld>
 </file>
 
@@ -4550,8 +4418,8 @@
         </p:blipFill>
         <p:spPr>
           <a:xfrm>
-            <a:off x="2267744" y="1150475"/>
-            <a:ext cx="4464496" cy="5618075"/>
+            <a:off x="2411760" y="1200538"/>
+            <a:ext cx="4320480" cy="5436847"/>
           </a:xfrm>
         </p:spPr>
       </p:pic>
@@ -4589,13 +4457,6 @@
   <p:clrMapOvr>
     <a:masterClrMapping/>
   </p:clrMapOvr>
-  <p:timing>
-    <p:tnLst>
-      <p:par>
-        <p:cTn id="1" dur="indefinite" restart="never" nodeType="tmRoot"/>
-      </p:par>
-    </p:tnLst>
-  </p:timing>
 </p:sld>
 </file>
 
@@ -4633,7 +4494,7 @@
         </p:blipFill>
         <p:spPr>
           <a:xfrm>
-            <a:off x="143505" y="1916832"/>
+            <a:off x="161508" y="2708920"/>
             <a:ext cx="8820983" cy="3600400"/>
           </a:xfrm>
           <a:prstGeom prst="rect">
@@ -4662,6 +4523,43 @@
               <a:t>28</a:t>
             </a:fld>
             <a:endParaRPr lang="es-ES" dirty="0"/>
+          </a:p>
+        </p:txBody>
+      </p:sp>
+      <p:sp>
+        <p:nvSpPr>
+          <p:cNvPr id="6" name="Título 1">
+            <a:extLst>
+              <a:ext uri="{FF2B5EF4-FFF2-40B4-BE49-F238E27FC236}">
+                <a16:creationId xmlns:a16="http://schemas.microsoft.com/office/drawing/2014/main" id="{696CDF45-53A2-4EAD-9B7F-A24C99C8385E}"/>
+              </a:ext>
+            </a:extLst>
+          </p:cNvPr>
+          <p:cNvSpPr>
+            <a:spLocks noGrp="1"/>
+          </p:cNvSpPr>
+          <p:nvPr>
+            <p:ph type="title"/>
+          </p:nvPr>
+        </p:nvSpPr>
+        <p:spPr>
+          <a:xfrm>
+            <a:off x="161508" y="1595045"/>
+            <a:ext cx="8858312" cy="785810"/>
+          </a:xfrm>
+        </p:spPr>
+        <p:txBody>
+          <a:bodyPr/>
+          <a:lstStyle/>
+          <a:p>
+            <a:pPr algn="ctr"/>
+            <a:r>
+              <a:rPr lang="es-CO" dirty="0">
+                <a:latin typeface="Times New Roman" panose="02020603050405020304" pitchFamily="18" charset="0"/>
+                <a:cs typeface="Times New Roman" panose="02020603050405020304" pitchFamily="18" charset="0"/>
+              </a:rPr>
+              <a:t>Diagrama de Gantt</a:t>
+            </a:r>
           </a:p>
         </p:txBody>
       </p:sp>
@@ -4675,13 +4573,6 @@
   <p:clrMapOvr>
     <a:masterClrMapping/>
   </p:clrMapOvr>
-  <p:timing>
-    <p:tnLst>
-      <p:par>
-        <p:cTn id="1" dur="indefinite" restart="never" nodeType="tmRoot"/>
-      </p:par>
-    </p:tnLst>
-  </p:timing>
 </p:sld>
 </file>
 
@@ -4702,34 +4593,96 @@
           <a:chExt cx="0" cy="0"/>
         </a:xfrm>
       </p:grpSpPr>
-      <p:pic>
-        <p:nvPicPr>
-          <p:cNvPr id="5" name="Marcador de contenido 4"/>
-          <p:cNvPicPr>
-            <a:picLocks noGrp="1" noChangeAspect="1"/>
-          </p:cNvPicPr>
+      <p:sp>
+        <p:nvSpPr>
+          <p:cNvPr id="3" name="Marcador de contenido 2">
+            <a:extLst>
+              <a:ext uri="{FF2B5EF4-FFF2-40B4-BE49-F238E27FC236}">
+                <a16:creationId xmlns:a16="http://schemas.microsoft.com/office/drawing/2014/main" id="{67E8FBD7-4C93-4910-B0A0-3AA02E5BE79E}"/>
+              </a:ext>
+            </a:extLst>
+          </p:cNvPr>
+          <p:cNvSpPr>
+            <a:spLocks noGrp="1"/>
+          </p:cNvSpPr>
           <p:nvPr>
             <p:ph idx="1"/>
           </p:nvPr>
-        </p:nvPicPr>
-        <p:blipFill rotWithShape="1">
-          <a:blip r:embed="rId2"/>
-          <a:srcRect l="2001" t="30159" r="6001" b="26642"/>
-          <a:stretch/>
-        </p:blipFill>
+        </p:nvSpPr>
         <p:spPr>
           <a:xfrm>
-            <a:off x="179512" y="2060848"/>
-            <a:ext cx="8731519" cy="3096344"/>
+            <a:off x="142844" y="2492896"/>
+            <a:ext cx="8858312" cy="4079378"/>
           </a:xfrm>
-          <a:prstGeom prst="rect">
-            <a:avLst/>
-          </a:prstGeom>
         </p:spPr>
-      </p:pic>
-      <p:sp>
-        <p:nvSpPr>
-          <p:cNvPr id="4" name="Marcador de número de diapositiva 3"/>
+        <p:txBody>
+          <a:bodyPr/>
+          <a:lstStyle/>
+          <a:p>
+            <a:r>
+              <a:rPr lang="es-CO" dirty="0">
+                <a:latin typeface="Times New Roman" panose="02020603050405020304" pitchFamily="18" charset="0"/>
+                <a:cs typeface="Times New Roman" panose="02020603050405020304" pitchFamily="18" charset="0"/>
+              </a:rPr>
+              <a:t>Detección de requerimientos del sistema</a:t>
+            </a:r>
+          </a:p>
+          <a:p>
+            <a:r>
+              <a:rPr lang="es-CO" dirty="0">
+                <a:latin typeface="Times New Roman" panose="02020603050405020304" pitchFamily="18" charset="0"/>
+                <a:cs typeface="Times New Roman" panose="02020603050405020304" pitchFamily="18" charset="0"/>
+              </a:rPr>
+              <a:t>Elaboración de los requisitos funcionales</a:t>
+            </a:r>
+          </a:p>
+          <a:p>
+            <a:r>
+              <a:rPr lang="es-CO" dirty="0">
+                <a:latin typeface="Times New Roman" panose="02020603050405020304" pitchFamily="18" charset="0"/>
+                <a:cs typeface="Times New Roman" panose="02020603050405020304" pitchFamily="18" charset="0"/>
+              </a:rPr>
+              <a:t>Modelado de la base de datos</a:t>
+            </a:r>
+          </a:p>
+          <a:p>
+            <a:r>
+              <a:rPr lang="es-CO" dirty="0">
+                <a:latin typeface="Times New Roman" panose="02020603050405020304" pitchFamily="18" charset="0"/>
+                <a:cs typeface="Times New Roman" panose="02020603050405020304" pitchFamily="18" charset="0"/>
+              </a:rPr>
+              <a:t>Diseño del sistema a implementar</a:t>
+            </a:r>
+          </a:p>
+          <a:p>
+            <a:r>
+              <a:rPr lang="es-CO" dirty="0">
+                <a:latin typeface="Times New Roman" panose="02020603050405020304" pitchFamily="18" charset="0"/>
+                <a:cs typeface="Times New Roman" panose="02020603050405020304" pitchFamily="18" charset="0"/>
+              </a:rPr>
+              <a:t>Programación </a:t>
+            </a:r>
+          </a:p>
+          <a:p>
+            <a:r>
+              <a:rPr lang="es-CO" dirty="0">
+                <a:latin typeface="Times New Roman" panose="02020603050405020304" pitchFamily="18" charset="0"/>
+                <a:cs typeface="Times New Roman" panose="02020603050405020304" pitchFamily="18" charset="0"/>
+              </a:rPr>
+              <a:t>Prototipo final</a:t>
+            </a:r>
+          </a:p>
+        </p:txBody>
+      </p:sp>
+      <p:sp>
+        <p:nvSpPr>
+          <p:cNvPr id="4" name="Marcador de número de diapositiva 3">
+            <a:extLst>
+              <a:ext uri="{FF2B5EF4-FFF2-40B4-BE49-F238E27FC236}">
+                <a16:creationId xmlns:a16="http://schemas.microsoft.com/office/drawing/2014/main" id="{0D9B0243-FCAD-4C1D-B7C0-6CF4B3729FA7}"/>
+              </a:ext>
+            </a:extLst>
+          </p:cNvPr>
           <p:cNvSpPr>
             <a:spLocks noGrp="1"/>
           </p:cNvSpPr>
@@ -4751,23 +4704,53 @@
           </a:p>
         </p:txBody>
       </p:sp>
+      <p:sp>
+        <p:nvSpPr>
+          <p:cNvPr id="5" name="Título 1">
+            <a:extLst>
+              <a:ext uri="{FF2B5EF4-FFF2-40B4-BE49-F238E27FC236}">
+                <a16:creationId xmlns:a16="http://schemas.microsoft.com/office/drawing/2014/main" id="{9BF6A8C9-E7F6-424E-83F6-0A1E8B09034E}"/>
+              </a:ext>
+            </a:extLst>
+          </p:cNvPr>
+          <p:cNvSpPr>
+            <a:spLocks noGrp="1"/>
+          </p:cNvSpPr>
+          <p:nvPr>
+            <p:ph type="title"/>
+          </p:nvPr>
+        </p:nvSpPr>
+        <p:spPr>
+          <a:xfrm>
+            <a:off x="138300" y="1253315"/>
+            <a:ext cx="8858312" cy="785810"/>
+          </a:xfrm>
+        </p:spPr>
+        <p:txBody>
+          <a:bodyPr/>
+          <a:lstStyle/>
+          <a:p>
+            <a:pPr algn="ctr"/>
+            <a:r>
+              <a:rPr lang="es-CO" dirty="0">
+                <a:latin typeface="Times New Roman" panose="02020603050405020304" pitchFamily="18" charset="0"/>
+                <a:cs typeface="Times New Roman" panose="02020603050405020304" pitchFamily="18" charset="0"/>
+              </a:rPr>
+              <a:t>Actividades primordiales</a:t>
+            </a:r>
+          </a:p>
+        </p:txBody>
+      </p:sp>
     </p:spTree>
     <p:extLst>
       <p:ext uri="{BB962C8B-B14F-4D97-AF65-F5344CB8AC3E}">
-        <p14:creationId xmlns:p14="http://schemas.microsoft.com/office/powerpoint/2010/main" val="3309361361"/>
+        <p14:creationId xmlns:p14="http://schemas.microsoft.com/office/powerpoint/2010/main" val="2861573974"/>
       </p:ext>
     </p:extLst>
   </p:cSld>
   <p:clrMapOvr>
     <a:masterClrMapping/>
   </p:clrMapOvr>
-  <p:timing>
-    <p:tnLst>
-      <p:par>
-        <p:cTn id="1" dur="indefinite" restart="never" nodeType="tmRoot"/>
-      </p:par>
-    </p:tnLst>
-  </p:timing>
 </p:sld>
 </file>
 
@@ -4811,89 +4794,53 @@
                 <a:latin typeface="Times New Roman" panose="02020603050405020304" pitchFamily="18" charset="0"/>
                 <a:cs typeface="Times New Roman" panose="02020603050405020304" pitchFamily="18" charset="0"/>
               </a:rPr>
-              <a:t>Participantes en el </a:t>
-            </a:r>
-            <a:r>
-              <a:rPr lang="es-CO" dirty="0" smtClean="0">
+              <a:t>Introducción</a:t>
+            </a:r>
+          </a:p>
+        </p:txBody>
+      </p:sp>
+      <p:sp>
+        <p:nvSpPr>
+          <p:cNvPr id="3" name="Marcador de contenido 2"/>
+          <p:cNvSpPr>
+            <a:spLocks noGrp="1"/>
+          </p:cNvSpPr>
+          <p:nvPr>
+            <p:ph idx="1"/>
+          </p:nvPr>
+        </p:nvSpPr>
+        <p:spPr>
+          <a:xfrm>
+            <a:off x="142844" y="2420888"/>
+            <a:ext cx="8858312" cy="4151386"/>
+          </a:xfrm>
+        </p:spPr>
+        <p:txBody>
+          <a:bodyPr>
+            <a:normAutofit fontScale="85000" lnSpcReduction="10000"/>
+          </a:bodyPr>
+          <a:lstStyle/>
+          <a:p>
+            <a:pPr marL="0" indent="0" algn="just">
+              <a:lnSpc>
+                <a:spcPct val="120000"/>
+              </a:lnSpc>
+              <a:buNone/>
+            </a:pPr>
+            <a:r>
+              <a:rPr lang="es-CO" dirty="0">
                 <a:latin typeface="Times New Roman" panose="02020603050405020304" pitchFamily="18" charset="0"/>
                 <a:cs typeface="Times New Roman" panose="02020603050405020304" pitchFamily="18" charset="0"/>
               </a:rPr>
-              <a:t>proyecto</a:t>
-            </a:r>
-            <a:endParaRPr lang="es-CO" dirty="0">
-              <a:latin typeface="Times New Roman" panose="02020603050405020304" pitchFamily="18" charset="0"/>
-              <a:cs typeface="Times New Roman" panose="02020603050405020304" pitchFamily="18" charset="0"/>
-            </a:endParaRPr>
-          </a:p>
-        </p:txBody>
-      </p:sp>
-      <p:sp>
-        <p:nvSpPr>
-          <p:cNvPr id="3" name="Marcador de contenido 2"/>
-          <p:cNvSpPr>
-            <a:spLocks noGrp="1"/>
-          </p:cNvSpPr>
-          <p:nvPr>
-            <p:ph idx="1"/>
-          </p:nvPr>
-        </p:nvSpPr>
-        <p:spPr/>
-        <p:txBody>
-          <a:bodyPr/>
-          <a:lstStyle/>
-          <a:p>
-            <a:pPr marL="0" indent="0">
-              <a:buNone/>
-            </a:pPr>
-            <a:endParaRPr lang="es-CO" b="1" dirty="0" smtClean="0"/>
-          </a:p>
-          <a:p>
-            <a:pPr marL="0" indent="0">
-              <a:buNone/>
-            </a:pPr>
-            <a:r>
-              <a:rPr lang="es-CO" b="1" dirty="0" smtClean="0">
-                <a:latin typeface="Times New Roman" panose="02020603050405020304" pitchFamily="18" charset="0"/>
-                <a:cs typeface="Times New Roman" panose="02020603050405020304" pitchFamily="18" charset="0"/>
-              </a:rPr>
-              <a:t>Organizaciones:</a:t>
-            </a:r>
-          </a:p>
-          <a:p>
-            <a:r>
-              <a:rPr lang="es-CO" dirty="0" smtClean="0">
-                <a:latin typeface="Times New Roman" panose="02020603050405020304" pitchFamily="18" charset="0"/>
-                <a:cs typeface="Times New Roman" panose="02020603050405020304" pitchFamily="18" charset="0"/>
-              </a:rPr>
-              <a:t>COTECNOVA.</a:t>
-            </a:r>
-          </a:p>
-          <a:p>
-            <a:r>
-              <a:rPr lang="es-CO" dirty="0" smtClean="0">
-                <a:latin typeface="Times New Roman" panose="02020603050405020304" pitchFamily="18" charset="0"/>
-                <a:cs typeface="Times New Roman" panose="02020603050405020304" pitchFamily="18" charset="0"/>
-              </a:rPr>
-              <a:t>Grupo (Natalia Agudelo, Juan David, </a:t>
-            </a:r>
-            <a:r>
-              <a:rPr lang="es-CO" dirty="0" err="1" smtClean="0">
-                <a:latin typeface="Times New Roman" panose="02020603050405020304" pitchFamily="18" charset="0"/>
-                <a:cs typeface="Times New Roman" panose="02020603050405020304" pitchFamily="18" charset="0"/>
-              </a:rPr>
-              <a:t>Arvey</a:t>
-            </a:r>
-            <a:r>
-              <a:rPr lang="es-CO" dirty="0" smtClean="0">
-                <a:latin typeface="Times New Roman" panose="02020603050405020304" pitchFamily="18" charset="0"/>
-                <a:cs typeface="Times New Roman" panose="02020603050405020304" pitchFamily="18" charset="0"/>
-              </a:rPr>
-              <a:t> Barahona).</a:t>
-            </a:r>
-            <a:endParaRPr lang="es-CO" dirty="0">
-              <a:latin typeface="Times New Roman" panose="02020603050405020304" pitchFamily="18" charset="0"/>
-              <a:cs typeface="Times New Roman" panose="02020603050405020304" pitchFamily="18" charset="0"/>
-            </a:endParaRPr>
+              <a:t>La asistencia estudiantil siempre ha sido uno de los mayores problemas en las diferentes instituciones llegando a ser incontrolable. Actualmente se han inventado varios mecanismos de control para esta, mejorando así el control de la misma mediante dispositivos tecnológicos, esto ha hecho un gran auge en cuanto a las renovaciones de como se venía tomando anteriormente, dando así un impacto positivo.</a:t>
+            </a:r>
+            <a:br>
+              <a:rPr lang="es-CO" dirty="0"/>
+            </a:br>
+            <a:br>
+              <a:rPr lang="es-CO" dirty="0"/>
+            </a:br>
+            <a:endParaRPr lang="es-CO" dirty="0"/>
           </a:p>
         </p:txBody>
       </p:sp>
@@ -4924,20 +4871,13 @@
     </p:spTree>
     <p:extLst>
       <p:ext uri="{BB962C8B-B14F-4D97-AF65-F5344CB8AC3E}">
-        <p14:creationId xmlns:p14="http://schemas.microsoft.com/office/powerpoint/2010/main" val="909096977"/>
+        <p14:creationId xmlns:p14="http://schemas.microsoft.com/office/powerpoint/2010/main" val="3467575084"/>
       </p:ext>
     </p:extLst>
   </p:cSld>
   <p:clrMapOvr>
     <a:masterClrMapping/>
   </p:clrMapOvr>
-  <p:timing>
-    <p:tnLst>
-      <p:par>
-        <p:cTn id="1" dur="indefinite" restart="never" nodeType="tmRoot"/>
-      </p:par>
-    </p:tnLst>
-  </p:timing>
 </p:sld>
 </file>
 
@@ -4970,13 +4910,13 @@
         </p:nvPicPr>
         <p:blipFill rotWithShape="1">
           <a:blip r:embed="rId2"/>
-          <a:srcRect l="2001" t="23760" r="53000" b="45841"/>
+          <a:srcRect l="2001" t="30159" r="6001" b="26642"/>
           <a:stretch/>
         </p:blipFill>
         <p:spPr>
           <a:xfrm>
-            <a:off x="179512" y="1784017"/>
-            <a:ext cx="8841824" cy="3733215"/>
+            <a:off x="179512" y="2060847"/>
+            <a:ext cx="8731523" cy="3096345"/>
           </a:xfrm>
           <a:prstGeom prst="rect">
             <a:avLst/>
@@ -5007,23 +4947,53 @@
           </a:p>
         </p:txBody>
       </p:sp>
+      <p:sp>
+        <p:nvSpPr>
+          <p:cNvPr id="6" name="Título 1">
+            <a:extLst>
+              <a:ext uri="{FF2B5EF4-FFF2-40B4-BE49-F238E27FC236}">
+                <a16:creationId xmlns:a16="http://schemas.microsoft.com/office/drawing/2014/main" id="{D65B2F6A-64DB-470C-8BDD-017B92F29EA4}"/>
+              </a:ext>
+            </a:extLst>
+          </p:cNvPr>
+          <p:cNvSpPr>
+            <a:spLocks noGrp="1"/>
+          </p:cNvSpPr>
+          <p:nvPr>
+            <p:ph type="title"/>
+          </p:nvPr>
+        </p:nvSpPr>
+        <p:spPr>
+          <a:xfrm>
+            <a:off x="185479" y="1275038"/>
+            <a:ext cx="8858312" cy="785810"/>
+          </a:xfrm>
+        </p:spPr>
+        <p:txBody>
+          <a:bodyPr/>
+          <a:lstStyle/>
+          <a:p>
+            <a:pPr algn="ctr"/>
+            <a:r>
+              <a:rPr lang="es-CO" dirty="0">
+                <a:latin typeface="Times New Roman" panose="02020603050405020304" pitchFamily="18" charset="0"/>
+                <a:cs typeface="Times New Roman" panose="02020603050405020304" pitchFamily="18" charset="0"/>
+              </a:rPr>
+              <a:t>Diagrama de Clase</a:t>
+            </a:r>
+          </a:p>
+        </p:txBody>
+      </p:sp>
     </p:spTree>
     <p:extLst>
       <p:ext uri="{BB962C8B-B14F-4D97-AF65-F5344CB8AC3E}">
-        <p14:creationId xmlns:p14="http://schemas.microsoft.com/office/powerpoint/2010/main" val="283092803"/>
+        <p14:creationId xmlns:p14="http://schemas.microsoft.com/office/powerpoint/2010/main" val="3309361361"/>
       </p:ext>
     </p:extLst>
   </p:cSld>
   <p:clrMapOvr>
     <a:masterClrMapping/>
   </p:clrMapOvr>
-  <p:timing>
-    <p:tnLst>
-      <p:par>
-        <p:cTn id="1" dur="indefinite" restart="never" nodeType="tmRoot"/>
-      </p:par>
-    </p:tnLst>
-  </p:timing>
 </p:sld>
 </file>
 
@@ -5046,6 +5016,122 @@
       </p:grpSpPr>
       <p:pic>
         <p:nvPicPr>
+          <p:cNvPr id="5" name="Marcador de contenido 4"/>
+          <p:cNvPicPr>
+            <a:picLocks noGrp="1" noChangeAspect="1"/>
+          </p:cNvPicPr>
+          <p:nvPr>
+            <p:ph idx="1"/>
+          </p:nvPr>
+        </p:nvPicPr>
+        <p:blipFill rotWithShape="1">
+          <a:blip r:embed="rId2"/>
+          <a:srcRect l="2001" t="23760" r="53000" b="45841"/>
+          <a:stretch/>
+        </p:blipFill>
+        <p:spPr>
+          <a:xfrm>
+            <a:off x="151088" y="2507274"/>
+            <a:ext cx="8841824" cy="3733215"/>
+          </a:xfrm>
+          <a:prstGeom prst="rect">
+            <a:avLst/>
+          </a:prstGeom>
+        </p:spPr>
+      </p:pic>
+      <p:sp>
+        <p:nvSpPr>
+          <p:cNvPr id="4" name="Marcador de número de diapositiva 3"/>
+          <p:cNvSpPr>
+            <a:spLocks noGrp="1"/>
+          </p:cNvSpPr>
+          <p:nvPr>
+            <p:ph type="sldNum" sz="quarter" idx="12"/>
+          </p:nvPr>
+        </p:nvSpPr>
+        <p:spPr/>
+        <p:txBody>
+          <a:bodyPr/>
+          <a:lstStyle/>
+          <a:p>
+            <a:fld id="{D009C4F0-EDC4-4A12-991B-2FA76BCDF736}" type="slidenum">
+              <a:rPr lang="es-ES" smtClean="0"/>
+              <a:pPr/>
+              <a:t>31</a:t>
+            </a:fld>
+            <a:endParaRPr lang="es-ES" dirty="0"/>
+          </a:p>
+        </p:txBody>
+      </p:sp>
+      <p:sp>
+        <p:nvSpPr>
+          <p:cNvPr id="6" name="Título 1">
+            <a:extLst>
+              <a:ext uri="{FF2B5EF4-FFF2-40B4-BE49-F238E27FC236}">
+                <a16:creationId xmlns:a16="http://schemas.microsoft.com/office/drawing/2014/main" id="{E1C7059D-E681-4AFE-A3DB-EE8354570193}"/>
+              </a:ext>
+            </a:extLst>
+          </p:cNvPr>
+          <p:cNvSpPr>
+            <a:spLocks noGrp="1"/>
+          </p:cNvSpPr>
+          <p:nvPr>
+            <p:ph type="title"/>
+          </p:nvPr>
+        </p:nvSpPr>
+        <p:spPr>
+          <a:xfrm>
+            <a:off x="151088" y="1324568"/>
+            <a:ext cx="8858312" cy="785810"/>
+          </a:xfrm>
+        </p:spPr>
+        <p:txBody>
+          <a:bodyPr/>
+          <a:lstStyle/>
+          <a:p>
+            <a:pPr algn="ctr"/>
+            <a:r>
+              <a:rPr lang="es-CO" dirty="0">
+                <a:latin typeface="Times New Roman" panose="02020603050405020304" pitchFamily="18" charset="0"/>
+                <a:cs typeface="Times New Roman" panose="02020603050405020304" pitchFamily="18" charset="0"/>
+              </a:rPr>
+              <a:t>Diagrama de Pert</a:t>
+            </a:r>
+          </a:p>
+        </p:txBody>
+      </p:sp>
+    </p:spTree>
+    <p:extLst>
+      <p:ext uri="{BB962C8B-B14F-4D97-AF65-F5344CB8AC3E}">
+        <p14:creationId xmlns:p14="http://schemas.microsoft.com/office/powerpoint/2010/main" val="283092803"/>
+      </p:ext>
+    </p:extLst>
+  </p:cSld>
+  <p:clrMapOvr>
+    <a:masterClrMapping/>
+  </p:clrMapOvr>
+</p:sld>
+</file>
+
+<file path=ppt/slides/slide32.xml><?xml version="1.0" encoding="utf-8"?>
+<p:sld xmlns:a="http://schemas.openxmlformats.org/drawingml/2006/main" xmlns:r="http://schemas.openxmlformats.org/officeDocument/2006/relationships" xmlns:p="http://schemas.openxmlformats.org/presentationml/2006/main">
+  <p:cSld>
+    <p:spTree>
+      <p:nvGrpSpPr>
+        <p:cNvPr id="1" name=""/>
+        <p:cNvGrpSpPr/>
+        <p:nvPr/>
+      </p:nvGrpSpPr>
+      <p:grpSpPr>
+        <a:xfrm>
+          <a:off x="0" y="0"/>
+          <a:ext cx="0" cy="0"/>
+          <a:chOff x="0" y="0"/>
+          <a:chExt cx="0" cy="0"/>
+        </a:xfrm>
+      </p:grpSpPr>
+      <p:pic>
+        <p:nvPicPr>
           <p:cNvPr id="6" name="Marcador de contenido 5"/>
           <p:cNvPicPr>
             <a:picLocks noGrp="1" noChangeAspect="1"/>
@@ -5062,8 +5148,8 @@
         </p:blipFill>
         <p:spPr>
           <a:xfrm>
-            <a:off x="323528" y="1412776"/>
-            <a:ext cx="8424936" cy="4584744"/>
+            <a:off x="521550" y="2348880"/>
+            <a:ext cx="8100900" cy="3528392"/>
           </a:xfrm>
         </p:spPr>
       </p:pic>
@@ -5085,9 +5171,46 @@
             <a:fld id="{D009C4F0-EDC4-4A12-991B-2FA76BCDF736}" type="slidenum">
               <a:rPr lang="es-ES" smtClean="0"/>
               <a:pPr/>
-              <a:t>31</a:t>
+              <a:t>32</a:t>
             </a:fld>
             <a:endParaRPr lang="es-ES" dirty="0"/>
+          </a:p>
+        </p:txBody>
+      </p:sp>
+      <p:sp>
+        <p:nvSpPr>
+          <p:cNvPr id="5" name="Título 1">
+            <a:extLst>
+              <a:ext uri="{FF2B5EF4-FFF2-40B4-BE49-F238E27FC236}">
+                <a16:creationId xmlns:a16="http://schemas.microsoft.com/office/drawing/2014/main" id="{CA39A11B-8C4E-40E1-B09C-EFFB4029EDC9}"/>
+              </a:ext>
+            </a:extLst>
+          </p:cNvPr>
+          <p:cNvSpPr>
+            <a:spLocks noGrp="1"/>
+          </p:cNvSpPr>
+          <p:nvPr>
+            <p:ph type="title"/>
+          </p:nvPr>
+        </p:nvSpPr>
+        <p:spPr>
+          <a:xfrm>
+            <a:off x="142844" y="1195862"/>
+            <a:ext cx="8858312" cy="785810"/>
+          </a:xfrm>
+        </p:spPr>
+        <p:txBody>
+          <a:bodyPr/>
+          <a:lstStyle/>
+          <a:p>
+            <a:pPr algn="ctr"/>
+            <a:r>
+              <a:rPr lang="es-CO" dirty="0">
+                <a:latin typeface="Times New Roman" panose="02020603050405020304" pitchFamily="18" charset="0"/>
+                <a:cs typeface="Times New Roman" panose="02020603050405020304" pitchFamily="18" charset="0"/>
+              </a:rPr>
+              <a:t>Ruta critica y estimación</a:t>
+            </a:r>
           </a:p>
         </p:txBody>
       </p:sp>
@@ -5101,13 +5224,105 @@
   <p:clrMapOvr>
     <a:masterClrMapping/>
   </p:clrMapOvr>
-  <p:timing>
-    <p:tnLst>
-      <p:par>
-        <p:cTn id="1" dur="indefinite" restart="never" nodeType="tmRoot"/>
-      </p:par>
-    </p:tnLst>
-  </p:timing>
+</p:sld>
+</file>
+
+<file path=ppt/slides/slide33.xml><?xml version="1.0" encoding="utf-8"?>
+<p:sld xmlns:a="http://schemas.openxmlformats.org/drawingml/2006/main" xmlns:r="http://schemas.openxmlformats.org/officeDocument/2006/relationships" xmlns:p="http://schemas.openxmlformats.org/presentationml/2006/main">
+  <p:cSld>
+    <p:spTree>
+      <p:nvGrpSpPr>
+        <p:cNvPr id="1" name=""/>
+        <p:cNvGrpSpPr/>
+        <p:nvPr/>
+      </p:nvGrpSpPr>
+      <p:grpSpPr>
+        <a:xfrm>
+          <a:off x="0" y="0"/>
+          <a:ext cx="0" cy="0"/>
+          <a:chOff x="0" y="0"/>
+          <a:chExt cx="0" cy="0"/>
+        </a:xfrm>
+      </p:grpSpPr>
+      <p:sp>
+        <p:nvSpPr>
+          <p:cNvPr id="2" name="Título 1">
+            <a:extLst>
+              <a:ext uri="{FF2B5EF4-FFF2-40B4-BE49-F238E27FC236}">
+                <a16:creationId xmlns:a16="http://schemas.microsoft.com/office/drawing/2014/main" id="{E1CF3C15-2D24-4041-98B9-73F4AA9919E1}"/>
+              </a:ext>
+            </a:extLst>
+          </p:cNvPr>
+          <p:cNvSpPr>
+            <a:spLocks noGrp="1"/>
+          </p:cNvSpPr>
+          <p:nvPr>
+            <p:ph type="title"/>
+          </p:nvPr>
+        </p:nvSpPr>
+        <p:spPr>
+          <a:xfrm>
+            <a:off x="1169290" y="2213419"/>
+            <a:ext cx="6805420" cy="2431162"/>
+          </a:xfrm>
+        </p:spPr>
+        <p:txBody>
+          <a:bodyPr>
+            <a:normAutofit/>
+          </a:bodyPr>
+          <a:lstStyle/>
+          <a:p>
+            <a:pPr algn="ctr"/>
+            <a:r>
+              <a:rPr lang="es-CO" sz="6000" dirty="0">
+                <a:latin typeface="Times New Roman" panose="02020603050405020304" pitchFamily="18" charset="0"/>
+                <a:cs typeface="Times New Roman" panose="02020603050405020304" pitchFamily="18" charset="0"/>
+              </a:rPr>
+              <a:t>Muchas Gracias</a:t>
+            </a:r>
+          </a:p>
+        </p:txBody>
+      </p:sp>
+      <p:sp>
+        <p:nvSpPr>
+          <p:cNvPr id="4" name="Marcador de número de diapositiva 3">
+            <a:extLst>
+              <a:ext uri="{FF2B5EF4-FFF2-40B4-BE49-F238E27FC236}">
+                <a16:creationId xmlns:a16="http://schemas.microsoft.com/office/drawing/2014/main" id="{0D0371A0-0941-43CC-926D-EEB6B3905AD6}"/>
+              </a:ext>
+            </a:extLst>
+          </p:cNvPr>
+          <p:cNvSpPr>
+            <a:spLocks noGrp="1"/>
+          </p:cNvSpPr>
+          <p:nvPr>
+            <p:ph type="sldNum" sz="quarter" idx="12"/>
+          </p:nvPr>
+        </p:nvSpPr>
+        <p:spPr/>
+        <p:txBody>
+          <a:bodyPr/>
+          <a:lstStyle/>
+          <a:p>
+            <a:fld id="{D009C4F0-EDC4-4A12-991B-2FA76BCDF736}" type="slidenum">
+              <a:rPr lang="es-ES" smtClean="0"/>
+              <a:pPr/>
+              <a:t>33</a:t>
+            </a:fld>
+            <a:endParaRPr lang="es-ES" dirty="0"/>
+          </a:p>
+        </p:txBody>
+      </p:sp>
+    </p:spTree>
+    <p:extLst>
+      <p:ext uri="{BB962C8B-B14F-4D97-AF65-F5344CB8AC3E}">
+        <p14:creationId xmlns:p14="http://schemas.microsoft.com/office/powerpoint/2010/main" val="1294260339"/>
+      </p:ext>
+    </p:extLst>
+  </p:cSld>
+  <p:clrMapOvr>
+    <a:masterClrMapping/>
+  </p:clrMapOvr>
 </p:sld>
 </file>
 
@@ -5151,26 +5366,8 @@
                 <a:latin typeface="Times New Roman" panose="02020603050405020304" pitchFamily="18" charset="0"/>
                 <a:cs typeface="Times New Roman" panose="02020603050405020304" pitchFamily="18" charset="0"/>
               </a:rPr>
-              <a:t>Descripcion</a:t>
-            </a:r>
-            <a:r>
-              <a:rPr lang="es-CO" dirty="0">
-                <a:latin typeface="Times New Roman" panose="02020603050405020304" pitchFamily="18" charset="0"/>
-                <a:cs typeface="Times New Roman" panose="02020603050405020304" pitchFamily="18" charset="0"/>
-              </a:rPr>
-              <a:t> del sistema </a:t>
-            </a:r>
-            <a:r>
-              <a:rPr lang="es-CO" dirty="0" smtClean="0">
-                <a:latin typeface="Times New Roman" panose="02020603050405020304" pitchFamily="18" charset="0"/>
-                <a:cs typeface="Times New Roman" panose="02020603050405020304" pitchFamily="18" charset="0"/>
-              </a:rPr>
-              <a:t>actual</a:t>
-            </a:r>
-            <a:endParaRPr lang="es-CO" dirty="0">
-              <a:latin typeface="Times New Roman" panose="02020603050405020304" pitchFamily="18" charset="0"/>
-              <a:cs typeface="Times New Roman" panose="02020603050405020304" pitchFamily="18" charset="0"/>
-            </a:endParaRPr>
+              <a:t>Descripcion del sistema actual</a:t>
+            </a:r>
           </a:p>
         </p:txBody>
       </p:sp>
@@ -5184,14 +5381,19 @@
             <p:ph idx="1"/>
           </p:nvPr>
         </p:nvSpPr>
-        <p:spPr/>
+        <p:spPr>
+          <a:xfrm>
+            <a:off x="142844" y="2204864"/>
+            <a:ext cx="8858312" cy="4367410"/>
+          </a:xfrm>
+        </p:spPr>
         <p:txBody>
           <a:bodyPr>
             <a:normAutofit fontScale="92500" lnSpcReduction="10000"/>
           </a:bodyPr>
           <a:lstStyle/>
           <a:p>
-            <a:pPr marL="0" indent="0">
+            <a:pPr marL="0" indent="0" algn="just">
               <a:buNone/>
             </a:pPr>
             <a:r>
@@ -5241,13 +5443,6 @@
   <p:clrMapOvr>
     <a:masterClrMapping/>
   </p:clrMapOvr>
-  <p:timing>
-    <p:tnLst>
-      <p:par>
-        <p:cTn id="1" dur="indefinite" restart="never" nodeType="tmRoot"/>
-      </p:par>
-    </p:tnLst>
-  </p:timing>
 </p:sld>
 </file>
 
@@ -5287,16 +5482,12 @@
           <a:p>
             <a:pPr algn="ctr"/>
             <a:r>
-              <a:rPr lang="es-CO" dirty="0" smtClean="0">
+              <a:rPr lang="es-CO" dirty="0">
                 <a:latin typeface="Times New Roman" panose="02020603050405020304" pitchFamily="18" charset="0"/>
                 <a:cs typeface="Times New Roman" panose="02020603050405020304" pitchFamily="18" charset="0"/>
               </a:rPr>
               <a:t>Objetivos</a:t>
             </a:r>
-            <a:endParaRPr lang="es-CO" dirty="0">
-              <a:latin typeface="Times New Roman" panose="02020603050405020304" pitchFamily="18" charset="0"/>
-              <a:cs typeface="Times New Roman" panose="02020603050405020304" pitchFamily="18" charset="0"/>
-            </a:endParaRPr>
           </a:p>
         </p:txBody>
       </p:sp>
@@ -5310,13 +5501,18 @@
             <p:ph idx="1"/>
           </p:nvPr>
         </p:nvSpPr>
-        <p:spPr/>
+        <p:spPr>
+          <a:xfrm>
+            <a:off x="142844" y="2276872"/>
+            <a:ext cx="8858312" cy="4295402"/>
+          </a:xfrm>
+        </p:spPr>
         <p:txBody>
           <a:bodyPr/>
           <a:lstStyle/>
           <a:p>
             <a:r>
-              <a:rPr lang="es-CO" dirty="0" smtClean="0">
+              <a:rPr lang="es-CO" dirty="0">
                 <a:latin typeface="Times New Roman" panose="02020603050405020304" pitchFamily="18" charset="0"/>
                 <a:cs typeface="Times New Roman" panose="02020603050405020304" pitchFamily="18" charset="0"/>
               </a:rPr>
@@ -5325,7 +5521,7 @@
           </a:p>
           <a:p>
             <a:r>
-              <a:rPr lang="es-CO" dirty="0" smtClean="0">
+              <a:rPr lang="es-CO" dirty="0">
                 <a:latin typeface="Times New Roman" panose="02020603050405020304" pitchFamily="18" charset="0"/>
                 <a:cs typeface="Times New Roman" panose="02020603050405020304" pitchFamily="18" charset="0"/>
               </a:rPr>
@@ -5334,16 +5530,12 @@
           </a:p>
           <a:p>
             <a:r>
-              <a:rPr lang="es-CO" dirty="0" smtClean="0">
+              <a:rPr lang="es-CO" dirty="0">
                 <a:latin typeface="Times New Roman" panose="02020603050405020304" pitchFamily="18" charset="0"/>
                 <a:cs typeface="Times New Roman" panose="02020603050405020304" pitchFamily="18" charset="0"/>
               </a:rPr>
               <a:t>Datos clases, horario, administrador, aulas, materias, carreras.</a:t>
             </a:r>
-            <a:endParaRPr lang="es-CO" dirty="0">
-              <a:latin typeface="Times New Roman" panose="02020603050405020304" pitchFamily="18" charset="0"/>
-              <a:cs typeface="Times New Roman" panose="02020603050405020304" pitchFamily="18" charset="0"/>
-            </a:endParaRPr>
           </a:p>
         </p:txBody>
       </p:sp>
@@ -5381,13 +5573,6 @@
   <p:clrMapOvr>
     <a:masterClrMapping/>
   </p:clrMapOvr>
-  <p:timing>
-    <p:tnLst>
-      <p:par>
-        <p:cTn id="1" dur="indefinite" restart="never" nodeType="tmRoot"/>
-      </p:par>
-    </p:tnLst>
-  </p:timing>
 </p:sld>
 </file>
 
@@ -5431,19 +5616,8 @@
                 <a:latin typeface="Times New Roman" panose="02020603050405020304" pitchFamily="18" charset="0"/>
                 <a:cs typeface="Times New Roman" panose="02020603050405020304" pitchFamily="18" charset="0"/>
               </a:rPr>
-              <a:t>Requisitos de </a:t>
-            </a:r>
-            <a:r>
-              <a:rPr lang="es-CO" dirty="0" smtClean="0">
-                <a:latin typeface="Times New Roman" panose="02020603050405020304" pitchFamily="18" charset="0"/>
-                <a:cs typeface="Times New Roman" panose="02020603050405020304" pitchFamily="18" charset="0"/>
-              </a:rPr>
-              <a:t>información</a:t>
-            </a:r>
-            <a:endParaRPr lang="es-CO" dirty="0">
-              <a:latin typeface="Times New Roman" panose="02020603050405020304" pitchFamily="18" charset="0"/>
-              <a:cs typeface="Times New Roman" panose="02020603050405020304" pitchFamily="18" charset="0"/>
-            </a:endParaRPr>
+              <a:t>Requisitos de información</a:t>
+            </a:r>
           </a:p>
         </p:txBody>
       </p:sp>
@@ -5457,7 +5631,12 @@
             <p:ph idx="1"/>
           </p:nvPr>
         </p:nvSpPr>
-        <p:spPr/>
+        <p:spPr>
+          <a:xfrm>
+            <a:off x="142844" y="2276872"/>
+            <a:ext cx="8858312" cy="4295402"/>
+          </a:xfrm>
+        </p:spPr>
         <p:txBody>
           <a:bodyPr/>
           <a:lstStyle/>
@@ -5466,7 +5645,7 @@
               <a:buNone/>
             </a:pPr>
             <a:r>
-              <a:rPr lang="es-CO" dirty="0" smtClean="0">
+              <a:rPr lang="es-CO" dirty="0">
                 <a:latin typeface="Times New Roman" panose="02020603050405020304" pitchFamily="18" charset="0"/>
                 <a:cs typeface="Times New Roman" panose="02020603050405020304" pitchFamily="18" charset="0"/>
               </a:rPr>
@@ -5475,16 +5654,12 @@
           </a:p>
           <a:p>
             <a:r>
-              <a:rPr lang="es-CO" dirty="0" smtClean="0">
+              <a:rPr lang="es-CO" dirty="0">
                 <a:latin typeface="Times New Roman" panose="02020603050405020304" pitchFamily="18" charset="0"/>
                 <a:cs typeface="Times New Roman" panose="02020603050405020304" pitchFamily="18" charset="0"/>
               </a:rPr>
               <a:t>Estudiante, Horario, Tipo de usuario, Clase, Administrador, Aula, Materia, Docente, Docente x Clase, Carrera.</a:t>
             </a:r>
-            <a:endParaRPr lang="es-CO" dirty="0">
-              <a:latin typeface="Times New Roman" panose="02020603050405020304" pitchFamily="18" charset="0"/>
-              <a:cs typeface="Times New Roman" panose="02020603050405020304" pitchFamily="18" charset="0"/>
-            </a:endParaRPr>
           </a:p>
         </p:txBody>
       </p:sp>
@@ -5522,13 +5697,6 @@
   <p:clrMapOvr>
     <a:masterClrMapping/>
   </p:clrMapOvr>
-  <p:timing>
-    <p:tnLst>
-      <p:par>
-        <p:cTn id="1" dur="indefinite" restart="never" nodeType="tmRoot"/>
-      </p:par>
-    </p:tnLst>
-  </p:timing>
 </p:sld>
 </file>
 
@@ -5572,19 +5740,8 @@
                 <a:latin typeface="Times New Roman" panose="02020603050405020304" pitchFamily="18" charset="0"/>
                 <a:cs typeface="Times New Roman" panose="02020603050405020304" pitchFamily="18" charset="0"/>
               </a:rPr>
-              <a:t>Requisitos </a:t>
-            </a:r>
-            <a:r>
-              <a:rPr lang="es-CO" dirty="0" smtClean="0">
-                <a:latin typeface="Times New Roman" panose="02020603050405020304" pitchFamily="18" charset="0"/>
-                <a:cs typeface="Times New Roman" panose="02020603050405020304" pitchFamily="18" charset="0"/>
-              </a:rPr>
-              <a:t>funcionales</a:t>
-            </a:r>
-            <a:endParaRPr lang="es-CO" dirty="0">
-              <a:latin typeface="Times New Roman" panose="02020603050405020304" pitchFamily="18" charset="0"/>
-              <a:cs typeface="Times New Roman" panose="02020603050405020304" pitchFamily="18" charset="0"/>
-            </a:endParaRPr>
+              <a:t>Requisitos funcionales</a:t>
+            </a:r>
           </a:p>
         </p:txBody>
       </p:sp>
@@ -5598,7 +5755,12 @@
             <p:ph idx="1"/>
           </p:nvPr>
         </p:nvSpPr>
-        <p:spPr/>
+        <p:spPr>
+          <a:xfrm>
+            <a:off x="142844" y="2204864"/>
+            <a:ext cx="8858312" cy="4367410"/>
+          </a:xfrm>
+        </p:spPr>
         <p:txBody>
           <a:bodyPr>
             <a:normAutofit fontScale="85000" lnSpcReduction="20000"/>
@@ -5606,7 +5768,7 @@
           <a:lstStyle/>
           <a:p>
             <a:r>
-              <a:rPr lang="es-CO" dirty="0" smtClean="0">
+              <a:rPr lang="es-CO" dirty="0">
                 <a:latin typeface="Times New Roman" panose="02020603050405020304" pitchFamily="18" charset="0"/>
                 <a:cs typeface="Times New Roman" panose="02020603050405020304" pitchFamily="18" charset="0"/>
               </a:rPr>
@@ -5615,7 +5777,7 @@
           </a:p>
           <a:p>
             <a:r>
-              <a:rPr lang="es-CO" dirty="0" smtClean="0">
+              <a:rPr lang="es-CO" dirty="0">
                 <a:latin typeface="Times New Roman" panose="02020603050405020304" pitchFamily="18" charset="0"/>
                 <a:cs typeface="Times New Roman" panose="02020603050405020304" pitchFamily="18" charset="0"/>
               </a:rPr>
@@ -5624,7 +5786,7 @@
           </a:p>
           <a:p>
             <a:r>
-              <a:rPr lang="es-CO" dirty="0" smtClean="0">
+              <a:rPr lang="es-CO" dirty="0">
                 <a:latin typeface="Times New Roman" panose="02020603050405020304" pitchFamily="18" charset="0"/>
                 <a:cs typeface="Times New Roman" panose="02020603050405020304" pitchFamily="18" charset="0"/>
               </a:rPr>
@@ -5633,7 +5795,7 @@
           </a:p>
           <a:p>
             <a:r>
-              <a:rPr lang="es-CO" dirty="0" smtClean="0">
+              <a:rPr lang="es-CO" dirty="0">
                 <a:latin typeface="Times New Roman" panose="02020603050405020304" pitchFamily="18" charset="0"/>
                 <a:cs typeface="Times New Roman" panose="02020603050405020304" pitchFamily="18" charset="0"/>
               </a:rPr>
@@ -5642,7 +5804,7 @@
           </a:p>
           <a:p>
             <a:r>
-              <a:rPr lang="es-CO" dirty="0" smtClean="0">
+              <a:rPr lang="es-CO" dirty="0">
                 <a:latin typeface="Times New Roman" panose="02020603050405020304" pitchFamily="18" charset="0"/>
                 <a:cs typeface="Times New Roman" panose="02020603050405020304" pitchFamily="18" charset="0"/>
               </a:rPr>
@@ -5651,7 +5813,7 @@
           </a:p>
           <a:p>
             <a:r>
-              <a:rPr lang="es-CO" dirty="0" smtClean="0">
+              <a:rPr lang="es-CO" dirty="0">
                 <a:latin typeface="Times New Roman" panose="02020603050405020304" pitchFamily="18" charset="0"/>
                 <a:cs typeface="Times New Roman" panose="02020603050405020304" pitchFamily="18" charset="0"/>
               </a:rPr>
@@ -5660,7 +5822,7 @@
           </a:p>
           <a:p>
             <a:r>
-              <a:rPr lang="es-CO" dirty="0" smtClean="0">
+              <a:rPr lang="es-CO" dirty="0">
                 <a:latin typeface="Times New Roman" panose="02020603050405020304" pitchFamily="18" charset="0"/>
                 <a:cs typeface="Times New Roman" panose="02020603050405020304" pitchFamily="18" charset="0"/>
               </a:rPr>
@@ -5669,7 +5831,7 @@
           </a:p>
           <a:p>
             <a:r>
-              <a:rPr lang="es-CO" dirty="0" smtClean="0">
+              <a:rPr lang="es-CO" dirty="0">
                 <a:latin typeface="Times New Roman" panose="02020603050405020304" pitchFamily="18" charset="0"/>
                 <a:cs typeface="Times New Roman" panose="02020603050405020304" pitchFamily="18" charset="0"/>
               </a:rPr>
@@ -5678,41 +5840,20 @@
           </a:p>
           <a:p>
             <a:r>
-              <a:rPr lang="es-CO" dirty="0" smtClean="0">
-                <a:latin typeface="Times New Roman" panose="02020603050405020304" pitchFamily="18" charset="0"/>
-                <a:cs typeface="Times New Roman" panose="02020603050405020304" pitchFamily="18" charset="0"/>
-              </a:rPr>
-              <a:t>Materias </a:t>
-            </a:r>
-            <a:r>
               <a:rPr lang="es-CO" dirty="0">
                 <a:latin typeface="Times New Roman" panose="02020603050405020304" pitchFamily="18" charset="0"/>
                 <a:cs typeface="Times New Roman" panose="02020603050405020304" pitchFamily="18" charset="0"/>
               </a:rPr>
-              <a:t>(CRUD</a:t>
-            </a:r>
-            <a:r>
-              <a:rPr lang="es-CO" dirty="0" smtClean="0">
-                <a:latin typeface="Times New Roman" panose="02020603050405020304" pitchFamily="18" charset="0"/>
-                <a:cs typeface="Times New Roman" panose="02020603050405020304" pitchFamily="18" charset="0"/>
-              </a:rPr>
-              <a:t>)</a:t>
-            </a:r>
-          </a:p>
-          <a:p>
-            <a:r>
-              <a:rPr lang="es-CO" dirty="0" smtClean="0">
-                <a:latin typeface="Times New Roman" panose="02020603050405020304" pitchFamily="18" charset="0"/>
-                <a:cs typeface="Times New Roman" panose="02020603050405020304" pitchFamily="18" charset="0"/>
-              </a:rPr>
-              <a:t>Carrera </a:t>
-            </a:r>
+              <a:t>Materias (CRUD)</a:t>
+            </a:r>
+          </a:p>
+          <a:p>
             <a:r>
               <a:rPr lang="es-CO" dirty="0">
                 <a:latin typeface="Times New Roman" panose="02020603050405020304" pitchFamily="18" charset="0"/>
                 <a:cs typeface="Times New Roman" panose="02020603050405020304" pitchFamily="18" charset="0"/>
               </a:rPr>
-              <a:t>(CRUD)</a:t>
+              <a:t>Carrera (CRUD)</a:t>
             </a:r>
           </a:p>
           <a:p>
@@ -5757,13 +5898,6 @@
   <p:clrMapOvr>
     <a:masterClrMapping/>
   </p:clrMapOvr>
-  <p:timing>
-    <p:tnLst>
-      <p:par>
-        <p:cTn id="1" dur="indefinite" restart="never" nodeType="tmRoot"/>
-      </p:par>
-    </p:tnLst>
-  </p:timing>
 </p:sld>
 </file>
 
@@ -5807,75 +5941,65 @@
                 <a:latin typeface="Times New Roman" panose="02020603050405020304" pitchFamily="18" charset="0"/>
                 <a:cs typeface="Times New Roman" panose="02020603050405020304" pitchFamily="18" charset="0"/>
               </a:rPr>
-              <a:t>Diagramas de caso de </a:t>
-            </a:r>
-            <a:r>
-              <a:rPr lang="es-CO" dirty="0" smtClean="0">
-                <a:latin typeface="Times New Roman" panose="02020603050405020304" pitchFamily="18" charset="0"/>
-                <a:cs typeface="Times New Roman" panose="02020603050405020304" pitchFamily="18" charset="0"/>
-              </a:rPr>
-              <a:t>uso</a:t>
-            </a:r>
-            <a:endParaRPr lang="es-CO" dirty="0">
-              <a:latin typeface="Times New Roman" panose="02020603050405020304" pitchFamily="18" charset="0"/>
-              <a:cs typeface="Times New Roman" panose="02020603050405020304" pitchFamily="18" charset="0"/>
-            </a:endParaRPr>
+              <a:t>Diagramas de caso de uso</a:t>
+            </a:r>
+          </a:p>
+        </p:txBody>
+      </p:sp>
+      <p:sp>
+        <p:nvSpPr>
+          <p:cNvPr id="4" name="Marcador de número de diapositiva 3"/>
+          <p:cNvSpPr>
+            <a:spLocks noGrp="1"/>
+          </p:cNvSpPr>
+          <p:nvPr>
+            <p:ph type="sldNum" sz="quarter" idx="12"/>
+          </p:nvPr>
+        </p:nvSpPr>
+        <p:spPr/>
+        <p:txBody>
+          <a:bodyPr/>
+          <a:lstStyle/>
+          <a:p>
+            <a:fld id="{D009C4F0-EDC4-4A12-991B-2FA76BCDF736}" type="slidenum">
+              <a:rPr lang="es-ES" smtClean="0"/>
+              <a:pPr/>
+              <a:t>8</a:t>
+            </a:fld>
+            <a:endParaRPr lang="es-ES" dirty="0"/>
           </a:p>
         </p:txBody>
       </p:sp>
       <p:pic>
         <p:nvPicPr>
-          <p:cNvPr id="5" name="Marcador de contenido 4"/>
+          <p:cNvPr id="3" name="Imagen 2">
+            <a:extLst>
+              <a:ext uri="{FF2B5EF4-FFF2-40B4-BE49-F238E27FC236}">
+                <a16:creationId xmlns:a16="http://schemas.microsoft.com/office/drawing/2014/main" id="{FC734209-DE33-419B-B6E3-51E557193515}"/>
+              </a:ext>
+            </a:extLst>
+          </p:cNvPr>
           <p:cNvPicPr>
-            <a:picLocks noGrp="1" noChangeAspect="1"/>
+            <a:picLocks noChangeAspect="1"/>
           </p:cNvPicPr>
-          <p:nvPr>
-            <p:ph idx="1"/>
-          </p:nvPr>
+          <p:nvPr/>
         </p:nvPicPr>
         <p:blipFill>
-          <a:blip r:embed="rId2">
-            <a:extLst>
-              <a:ext uri="{28A0092B-C50C-407E-A947-70E740481C1C}">
-                <a14:useLocalDpi xmlns:a14="http://schemas.microsoft.com/office/drawing/2010/main" val="0"/>
-              </a:ext>
-            </a:extLst>
-          </a:blip>
+          <a:blip r:embed="rId2"/>
           <a:stretch>
             <a:fillRect/>
           </a:stretch>
         </p:blipFill>
         <p:spPr>
           <a:xfrm>
-            <a:off x="251521" y="1927672"/>
-            <a:ext cx="9217024" cy="4957712"/>
+            <a:off x="1233860" y="2166558"/>
+            <a:ext cx="6695728" cy="4375948"/>
           </a:xfrm>
+          <a:prstGeom prst="rect">
+            <a:avLst/>
+          </a:prstGeom>
         </p:spPr>
       </p:pic>
-      <p:sp>
-        <p:nvSpPr>
-          <p:cNvPr id="4" name="Marcador de número de diapositiva 3"/>
-          <p:cNvSpPr>
-            <a:spLocks noGrp="1"/>
-          </p:cNvSpPr>
-          <p:nvPr>
-            <p:ph type="sldNum" sz="quarter" idx="12"/>
-          </p:nvPr>
-        </p:nvSpPr>
-        <p:spPr/>
-        <p:txBody>
-          <a:bodyPr/>
-          <a:lstStyle/>
-          <a:p>
-            <a:fld id="{D009C4F0-EDC4-4A12-991B-2FA76BCDF736}" type="slidenum">
-              <a:rPr lang="es-ES" smtClean="0"/>
-              <a:pPr/>
-              <a:t>8</a:t>
-            </a:fld>
-            <a:endParaRPr lang="es-ES" dirty="0"/>
-          </a:p>
-        </p:txBody>
-      </p:sp>
     </p:spTree>
     <p:extLst>
       <p:ext uri="{BB962C8B-B14F-4D97-AF65-F5344CB8AC3E}">
@@ -5886,13 +6010,6 @@
   <p:clrMapOvr>
     <a:masterClrMapping/>
   </p:clrMapOvr>
-  <p:timing>
-    <p:tnLst>
-      <p:par>
-        <p:cTn id="1" dur="indefinite" restart="never" nodeType="tmRoot"/>
-      </p:par>
-    </p:tnLst>
-  </p:timing>
 </p:sld>
 </file>
 
@@ -5936,19 +6053,8 @@
                 <a:latin typeface="Times New Roman" panose="02020603050405020304" pitchFamily="18" charset="0"/>
                 <a:cs typeface="Times New Roman" panose="02020603050405020304" pitchFamily="18" charset="0"/>
               </a:rPr>
-              <a:t>Definición de </a:t>
-            </a:r>
-            <a:r>
-              <a:rPr lang="es-CO" dirty="0" smtClean="0">
-                <a:latin typeface="Times New Roman" panose="02020603050405020304" pitchFamily="18" charset="0"/>
-                <a:cs typeface="Times New Roman" panose="02020603050405020304" pitchFamily="18" charset="0"/>
-              </a:rPr>
-              <a:t>actores</a:t>
-            </a:r>
-            <a:endParaRPr lang="es-CO" dirty="0">
-              <a:latin typeface="Times New Roman" panose="02020603050405020304" pitchFamily="18" charset="0"/>
-              <a:cs typeface="Times New Roman" panose="02020603050405020304" pitchFamily="18" charset="0"/>
-            </a:endParaRPr>
+              <a:t>Definición de actores</a:t>
+            </a:r>
           </a:p>
         </p:txBody>
       </p:sp>
@@ -5968,7 +6074,7 @@
           <a:lstStyle/>
           <a:p>
             <a:r>
-              <a:rPr lang="es-CO" dirty="0" smtClean="0">
+              <a:rPr lang="es-CO" dirty="0">
                 <a:latin typeface="Times New Roman" panose="02020603050405020304" pitchFamily="18" charset="0"/>
                 <a:cs typeface="Times New Roman" panose="02020603050405020304" pitchFamily="18" charset="0"/>
               </a:rPr>
@@ -5977,7 +6083,7 @@
           </a:p>
           <a:p>
             <a:r>
-              <a:rPr lang="es-CO" dirty="0" smtClean="0">
+              <a:rPr lang="es-CO" dirty="0">
                 <a:latin typeface="Times New Roman" panose="02020603050405020304" pitchFamily="18" charset="0"/>
                 <a:cs typeface="Times New Roman" panose="02020603050405020304" pitchFamily="18" charset="0"/>
               </a:rPr>
@@ -5986,16 +6092,12 @@
           </a:p>
           <a:p>
             <a:r>
-              <a:rPr lang="es-CO" dirty="0" smtClean="0">
+              <a:rPr lang="es-CO" dirty="0">
                 <a:latin typeface="Times New Roman" panose="02020603050405020304" pitchFamily="18" charset="0"/>
                 <a:cs typeface="Times New Roman" panose="02020603050405020304" pitchFamily="18" charset="0"/>
               </a:rPr>
               <a:t>Estudiante</a:t>
             </a:r>
-            <a:endParaRPr lang="es-CO" dirty="0">
-              <a:latin typeface="Times New Roman" panose="02020603050405020304" pitchFamily="18" charset="0"/>
-              <a:cs typeface="Times New Roman" panose="02020603050405020304" pitchFamily="18" charset="0"/>
-            </a:endParaRPr>
           </a:p>
         </p:txBody>
       </p:sp>
@@ -6033,13 +6135,6 @@
   <p:clrMapOvr>
     <a:masterClrMapping/>
   </p:clrMapOvr>
-  <p:timing>
-    <p:tnLst>
-      <p:par>
-        <p:cTn id="1" dur="indefinite" restart="never" nodeType="tmRoot"/>
-      </p:par>
-    </p:tnLst>
-  </p:timing>
 </p:sld>
 </file>
 

--- a/Documentos/Proyecto/Power_Point_Requerimientos.pptx
+++ b/Documentos/Proyecto/Power_Point_Requerimientos.pptx
@@ -241,7 +241,7 @@
             <a:fld id="{0BA3C234-2BE9-4B60-AD72-8BF80F39A548}" type="datetimeFigureOut">
               <a:rPr lang="es-CR" smtClean="0"/>
               <a:pPr/>
-              <a:t>20/11/2019</a:t>
+              <a:t>21/11/2019</a:t>
             </a:fld>
             <a:endParaRPr lang="es-CR" dirty="0"/>
           </a:p>
@@ -3572,8 +3572,19 @@
                 <a:latin typeface="Times New Roman" panose="02020603050405020304" pitchFamily="18" charset="0"/>
                 <a:cs typeface="Times New Roman" panose="02020603050405020304" pitchFamily="18" charset="0"/>
               </a:rPr>
-              <a:t>Grupo (Natalia Agudelo, Juan David, Arvey Barahona).</a:t>
-            </a:r>
+              <a:t>Grupo (Natalia Agudelo, Juan </a:t>
+            </a:r>
+            <a:r>
+              <a:rPr lang="es-CO" sz="2800" dirty="0" smtClean="0">
+                <a:latin typeface="Times New Roman" panose="02020603050405020304" pitchFamily="18" charset="0"/>
+                <a:cs typeface="Times New Roman" panose="02020603050405020304" pitchFamily="18" charset="0"/>
+              </a:rPr>
+              <a:t>David).</a:t>
+            </a:r>
+            <a:endParaRPr lang="es-CO" sz="2800" dirty="0">
+              <a:latin typeface="Times New Roman" panose="02020603050405020304" pitchFamily="18" charset="0"/>
+              <a:cs typeface="Times New Roman" panose="02020603050405020304" pitchFamily="18" charset="0"/>
+            </a:endParaRPr>
           </a:p>
         </p:txBody>
       </p:sp>
@@ -3680,6 +3691,49 @@
           </a:p>
         </p:txBody>
       </p:sp>
+      <p:sp>
+        <p:nvSpPr>
+          <p:cNvPr id="2" name="Rectángulo 1"/>
+          <p:cNvSpPr/>
+          <p:nvPr/>
+        </p:nvSpPr>
+        <p:spPr>
+          <a:xfrm>
+            <a:off x="4139952" y="1628800"/>
+            <a:ext cx="1008112" cy="95497"/>
+          </a:xfrm>
+          <a:prstGeom prst="rect">
+            <a:avLst/>
+          </a:prstGeom>
+          <a:ln>
+            <a:solidFill>
+              <a:schemeClr val="bg1"/>
+            </a:solidFill>
+          </a:ln>
+        </p:spPr>
+        <p:style>
+          <a:lnRef idx="2">
+            <a:schemeClr val="accent5"/>
+          </a:lnRef>
+          <a:fillRef idx="1">
+            <a:schemeClr val="lt1"/>
+          </a:fillRef>
+          <a:effectRef idx="0">
+            <a:schemeClr val="accent5"/>
+          </a:effectRef>
+          <a:fontRef idx="minor">
+            <a:schemeClr val="dk1"/>
+          </a:fontRef>
+        </p:style>
+        <p:txBody>
+          <a:bodyPr rtlCol="0" anchor="ctr"/>
+          <a:lstStyle/>
+          <a:p>
+            <a:pPr algn="ctr"/>
+            <a:endParaRPr lang="es-CO"/>
+          </a:p>
+        </p:txBody>
+      </p:sp>
     </p:spTree>
     <p:extLst>
       <p:ext uri="{BB962C8B-B14F-4D97-AF65-F5344CB8AC3E}">
@@ -3759,6 +3813,49 @@
           </a:p>
         </p:txBody>
       </p:sp>
+      <p:sp>
+        <p:nvSpPr>
+          <p:cNvPr id="6" name="Rectángulo 5"/>
+          <p:cNvSpPr/>
+          <p:nvPr/>
+        </p:nvSpPr>
+        <p:spPr>
+          <a:xfrm>
+            <a:off x="4139952" y="1461295"/>
+            <a:ext cx="1008112" cy="95497"/>
+          </a:xfrm>
+          <a:prstGeom prst="rect">
+            <a:avLst/>
+          </a:prstGeom>
+          <a:ln>
+            <a:solidFill>
+              <a:schemeClr val="bg1"/>
+            </a:solidFill>
+          </a:ln>
+        </p:spPr>
+        <p:style>
+          <a:lnRef idx="2">
+            <a:schemeClr val="accent5"/>
+          </a:lnRef>
+          <a:fillRef idx="1">
+            <a:schemeClr val="lt1"/>
+          </a:fillRef>
+          <a:effectRef idx="0">
+            <a:schemeClr val="accent5"/>
+          </a:effectRef>
+          <a:fontRef idx="minor">
+            <a:schemeClr val="dk1"/>
+          </a:fontRef>
+        </p:style>
+        <p:txBody>
+          <a:bodyPr rtlCol="0" anchor="ctr"/>
+          <a:lstStyle/>
+          <a:p>
+            <a:pPr algn="ctr"/>
+            <a:endParaRPr lang="es-CO"/>
+          </a:p>
+        </p:txBody>
+      </p:sp>
     </p:spTree>
     <p:extLst>
       <p:ext uri="{BB962C8B-B14F-4D97-AF65-F5344CB8AC3E}">
@@ -3838,6 +3935,49 @@
           </a:prstGeom>
         </p:spPr>
       </p:pic>
+      <p:sp>
+        <p:nvSpPr>
+          <p:cNvPr id="5" name="Rectángulo 4"/>
+          <p:cNvSpPr/>
+          <p:nvPr/>
+        </p:nvSpPr>
+        <p:spPr>
+          <a:xfrm>
+            <a:off x="4067944" y="1143695"/>
+            <a:ext cx="1008112" cy="53057"/>
+          </a:xfrm>
+          <a:prstGeom prst="rect">
+            <a:avLst/>
+          </a:prstGeom>
+          <a:ln>
+            <a:solidFill>
+              <a:schemeClr val="bg1"/>
+            </a:solidFill>
+          </a:ln>
+        </p:spPr>
+        <p:style>
+          <a:lnRef idx="2">
+            <a:schemeClr val="accent5"/>
+          </a:lnRef>
+          <a:fillRef idx="1">
+            <a:schemeClr val="lt1"/>
+          </a:fillRef>
+          <a:effectRef idx="0">
+            <a:schemeClr val="accent5"/>
+          </a:effectRef>
+          <a:fontRef idx="minor">
+            <a:schemeClr val="dk1"/>
+          </a:fontRef>
+        </p:style>
+        <p:txBody>
+          <a:bodyPr rtlCol="0" anchor="ctr"/>
+          <a:lstStyle/>
+          <a:p>
+            <a:pPr algn="ctr"/>
+            <a:endParaRPr lang="es-CO"/>
+          </a:p>
+        </p:txBody>
+      </p:sp>
     </p:spTree>
     <p:extLst>
       <p:ext uri="{BB962C8B-B14F-4D97-AF65-F5344CB8AC3E}">
@@ -4531,7 +4671,7 @@
           <p:cNvPr id="6" name="Título 1">
             <a:extLst>
               <a:ext uri="{FF2B5EF4-FFF2-40B4-BE49-F238E27FC236}">
-                <a16:creationId xmlns:a16="http://schemas.microsoft.com/office/drawing/2014/main" id="{696CDF45-53A2-4EAD-9B7F-A24C99C8385E}"/>
+                <a16:creationId xmlns:a16="http://schemas.microsoft.com/office/drawing/2014/main" xmlns="" id="{696CDF45-53A2-4EAD-9B7F-A24C99C8385E}"/>
               </a:ext>
             </a:extLst>
           </p:cNvPr>
@@ -4598,7 +4738,7 @@
           <p:cNvPr id="3" name="Marcador de contenido 2">
             <a:extLst>
               <a:ext uri="{FF2B5EF4-FFF2-40B4-BE49-F238E27FC236}">
-                <a16:creationId xmlns:a16="http://schemas.microsoft.com/office/drawing/2014/main" id="{67E8FBD7-4C93-4910-B0A0-3AA02E5BE79E}"/>
+                <a16:creationId xmlns:a16="http://schemas.microsoft.com/office/drawing/2014/main" xmlns="" id="{67E8FBD7-4C93-4910-B0A0-3AA02E5BE79E}"/>
               </a:ext>
             </a:extLst>
           </p:cNvPr>
@@ -4679,7 +4819,7 @@
           <p:cNvPr id="4" name="Marcador de número de diapositiva 3">
             <a:extLst>
               <a:ext uri="{FF2B5EF4-FFF2-40B4-BE49-F238E27FC236}">
-                <a16:creationId xmlns:a16="http://schemas.microsoft.com/office/drawing/2014/main" id="{0D9B0243-FCAD-4C1D-B7C0-6CF4B3729FA7}"/>
+                <a16:creationId xmlns:a16="http://schemas.microsoft.com/office/drawing/2014/main" xmlns="" id="{0D9B0243-FCAD-4C1D-B7C0-6CF4B3729FA7}"/>
               </a:ext>
             </a:extLst>
           </p:cNvPr>
@@ -4709,7 +4849,7 @@
           <p:cNvPr id="5" name="Título 1">
             <a:extLst>
               <a:ext uri="{FF2B5EF4-FFF2-40B4-BE49-F238E27FC236}">
-                <a16:creationId xmlns:a16="http://schemas.microsoft.com/office/drawing/2014/main" id="{9BF6A8C9-E7F6-424E-83F6-0A1E8B09034E}"/>
+                <a16:creationId xmlns:a16="http://schemas.microsoft.com/office/drawing/2014/main" xmlns="" id="{9BF6A8C9-E7F6-424E-83F6-0A1E8B09034E}"/>
               </a:ext>
             </a:extLst>
           </p:cNvPr>
@@ -4817,7 +4957,7 @@
         </p:spPr>
         <p:txBody>
           <a:bodyPr>
-            <a:normAutofit fontScale="85000" lnSpcReduction="10000"/>
+            <a:normAutofit fontScale="85000" lnSpcReduction="20000"/>
           </a:bodyPr>
           <a:lstStyle/>
           <a:p>
@@ -4834,9 +4974,17 @@
               </a:rPr>
               <a:t>La asistencia estudiantil siempre ha sido uno de los mayores problemas en las diferentes instituciones llegando a ser incontrolable. Actualmente se han inventado varios mecanismos de control para esta, mejorando así el control de la misma mediante dispositivos tecnológicos, esto ha hecho un gran auge en cuanto a las renovaciones de como se venía tomando anteriormente, dando así un impacto positivo.</a:t>
             </a:r>
+            <a:r>
+              <a:rPr lang="es-CO" dirty="0"/>
+              <a:t/>
+            </a:r>
             <a:br>
               <a:rPr lang="es-CO" dirty="0"/>
             </a:br>
+            <a:r>
+              <a:rPr lang="es-CO" dirty="0"/>
+              <a:t/>
+            </a:r>
             <a:br>
               <a:rPr lang="es-CO" dirty="0"/>
             </a:br>
@@ -4952,7 +5100,7 @@
           <p:cNvPr id="6" name="Título 1">
             <a:extLst>
               <a:ext uri="{FF2B5EF4-FFF2-40B4-BE49-F238E27FC236}">
-                <a16:creationId xmlns:a16="http://schemas.microsoft.com/office/drawing/2014/main" id="{D65B2F6A-64DB-470C-8BDD-017B92F29EA4}"/>
+                <a16:creationId xmlns:a16="http://schemas.microsoft.com/office/drawing/2014/main" xmlns="" id="{D65B2F6A-64DB-470C-8BDD-017B92F29EA4}"/>
               </a:ext>
             </a:extLst>
           </p:cNvPr>
@@ -4975,12 +5123,16 @@
           <a:p>
             <a:pPr algn="ctr"/>
             <a:r>
-              <a:rPr lang="es-CO" dirty="0">
-                <a:latin typeface="Times New Roman" panose="02020603050405020304" pitchFamily="18" charset="0"/>
-                <a:cs typeface="Times New Roman" panose="02020603050405020304" pitchFamily="18" charset="0"/>
-              </a:rPr>
-              <a:t>Diagrama de Clase</a:t>
-            </a:r>
+              <a:rPr lang="es-CO" dirty="0" smtClean="0">
+                <a:latin typeface="Times New Roman" panose="02020603050405020304" pitchFamily="18" charset="0"/>
+                <a:cs typeface="Times New Roman" panose="02020603050405020304" pitchFamily="18" charset="0"/>
+              </a:rPr>
+              <a:t>Gráfica</a:t>
+            </a:r>
+            <a:endParaRPr lang="es-CO" dirty="0">
+              <a:latin typeface="Times New Roman" panose="02020603050405020304" pitchFamily="18" charset="0"/>
+              <a:cs typeface="Times New Roman" panose="02020603050405020304" pitchFamily="18" charset="0"/>
+            </a:endParaRPr>
           </a:p>
         </p:txBody>
       </p:sp>
@@ -5068,7 +5220,7 @@
           <p:cNvPr id="6" name="Título 1">
             <a:extLst>
               <a:ext uri="{FF2B5EF4-FFF2-40B4-BE49-F238E27FC236}">
-                <a16:creationId xmlns:a16="http://schemas.microsoft.com/office/drawing/2014/main" id="{E1C7059D-E681-4AFE-A3DB-EE8354570193}"/>
+                <a16:creationId xmlns:a16="http://schemas.microsoft.com/office/drawing/2014/main" xmlns="" id="{E1C7059D-E681-4AFE-A3DB-EE8354570193}"/>
               </a:ext>
             </a:extLst>
           </p:cNvPr>
@@ -5182,7 +5334,7 @@
           <p:cNvPr id="5" name="Título 1">
             <a:extLst>
               <a:ext uri="{FF2B5EF4-FFF2-40B4-BE49-F238E27FC236}">
-                <a16:creationId xmlns:a16="http://schemas.microsoft.com/office/drawing/2014/main" id="{CA39A11B-8C4E-40E1-B09C-EFFB4029EDC9}"/>
+                <a16:creationId xmlns:a16="http://schemas.microsoft.com/office/drawing/2014/main" xmlns="" id="{CA39A11B-8C4E-40E1-B09C-EFFB4029EDC9}"/>
               </a:ext>
             </a:extLst>
           </p:cNvPr>
@@ -5249,7 +5401,7 @@
           <p:cNvPr id="2" name="Título 1">
             <a:extLst>
               <a:ext uri="{FF2B5EF4-FFF2-40B4-BE49-F238E27FC236}">
-                <a16:creationId xmlns:a16="http://schemas.microsoft.com/office/drawing/2014/main" id="{E1CF3C15-2D24-4041-98B9-73F4AA9919E1}"/>
+                <a16:creationId xmlns:a16="http://schemas.microsoft.com/office/drawing/2014/main" xmlns="" id="{E1CF3C15-2D24-4041-98B9-73F4AA9919E1}"/>
               </a:ext>
             </a:extLst>
           </p:cNvPr>
@@ -5288,7 +5440,7 @@
           <p:cNvPr id="4" name="Marcador de número de diapositiva 3">
             <a:extLst>
               <a:ext uri="{FF2B5EF4-FFF2-40B4-BE49-F238E27FC236}">
-                <a16:creationId xmlns:a16="http://schemas.microsoft.com/office/drawing/2014/main" id="{0D0371A0-0941-43CC-926D-EEB6B3905AD6}"/>
+                <a16:creationId xmlns:a16="http://schemas.microsoft.com/office/drawing/2014/main" xmlns="" id="{0D0371A0-0941-43CC-926D-EEB6B3905AD6}"/>
               </a:ext>
             </a:extLst>
           </p:cNvPr>
@@ -5658,7 +5810,35 @@
                 <a:latin typeface="Times New Roman" panose="02020603050405020304" pitchFamily="18" charset="0"/>
                 <a:cs typeface="Times New Roman" panose="02020603050405020304" pitchFamily="18" charset="0"/>
               </a:rPr>
-              <a:t>Estudiante, Horario, Tipo de usuario, Clase, Administrador, Aula, Materia, Docente, Docente x Clase, Carrera.</a:t>
+              <a:t>Estudiante, Horario, Tipo de usuario, Clase, Administrador, Aula, Materia, </a:t>
+            </a:r>
+            <a:r>
+              <a:rPr lang="es-CO" dirty="0" smtClean="0">
+                <a:latin typeface="Times New Roman" panose="02020603050405020304" pitchFamily="18" charset="0"/>
+                <a:cs typeface="Times New Roman" panose="02020603050405020304" pitchFamily="18" charset="0"/>
+              </a:rPr>
+              <a:t>Docente, Estudiantes</a:t>
+            </a:r>
+            <a:r>
+              <a:rPr lang="es-CO" dirty="0" smtClean="0">
+                <a:latin typeface="Times New Roman" panose="02020603050405020304" pitchFamily="18" charset="0"/>
+                <a:cs typeface="Times New Roman" panose="02020603050405020304" pitchFamily="18" charset="0"/>
+              </a:rPr>
+              <a:t> x</a:t>
+            </a:r>
+            <a:r>
+              <a:rPr lang="es-CO" dirty="0" smtClean="0">
+                <a:latin typeface="Times New Roman" panose="02020603050405020304" pitchFamily="18" charset="0"/>
+                <a:cs typeface="Times New Roman" panose="02020603050405020304" pitchFamily="18" charset="0"/>
+              </a:rPr>
+              <a:t> </a:t>
+            </a:r>
+            <a:r>
+              <a:rPr lang="es-CO" dirty="0">
+                <a:latin typeface="Times New Roman" panose="02020603050405020304" pitchFamily="18" charset="0"/>
+                <a:cs typeface="Times New Roman" panose="02020603050405020304" pitchFamily="18" charset="0"/>
+              </a:rPr>
+              <a:t>Docente x Clase, Carrera.</a:t>
             </a:r>
           </a:p>
         </p:txBody>
@@ -5975,7 +6155,7 @@
           <p:cNvPr id="3" name="Imagen 2">
             <a:extLst>
               <a:ext uri="{FF2B5EF4-FFF2-40B4-BE49-F238E27FC236}">
-                <a16:creationId xmlns:a16="http://schemas.microsoft.com/office/drawing/2014/main" id="{FC734209-DE33-419B-B6E3-51E557193515}"/>
+                <a16:creationId xmlns:a16="http://schemas.microsoft.com/office/drawing/2014/main" xmlns="" id="{FC734209-DE33-419B-B6E3-51E557193515}"/>
               </a:ext>
             </a:extLst>
           </p:cNvPr>
